--- a/Slides/PH223_Lecture_34.pptx
+++ b/Slides/PH223_Lecture_34.pptx
@@ -159,13 +159,53 @@
 <file path=ppt/revisionInfo.xml><?xml version="1.0" encoding="utf-8"?>
 <p1510:revInfo xmlns:a="http://schemas.openxmlformats.org/drawingml/2006/main" xmlns:r="http://schemas.openxmlformats.org/officeDocument/2006/relationships" xmlns:p1510="http://schemas.microsoft.com/office/powerpoint/2015/10/main">
   <p1510:revLst>
-    <p1510:client id="{AF54C565-CD27-483A-B284-ED2DCF58DF8E}" v="52" dt="2023-11-07T00:51:10.435"/>
+    <p1510:client id="{898D0146-72F8-4F40-A817-A6D87CEC5801}" v="38" dt="2024-03-08T22:17:07.010"/>
   </p1510:revLst>
 </p1510:revInfo>
 </file>
 
 <file path=ppt/changesInfos/changesInfo1.xml><?xml version="1.0" encoding="utf-8"?>
 <pc:chgInfo xmlns:a="http://schemas.openxmlformats.org/drawingml/2006/main" xmlns:r="http://schemas.openxmlformats.org/officeDocument/2006/relationships" xmlns:ac="http://schemas.microsoft.com/office/drawing/2013/main/command" xmlns:pc="http://schemas.microsoft.com/office/powerpoint/2013/main/command">
+  <pc:docChgLst>
+    <pc:chgData name="Lines, Todd" userId="afaf7c3a-e8aa-4568-882a-02ad8f9e19b0" providerId="ADAL" clId="{898D0146-72F8-4F40-A817-A6D87CEC5801}"/>
+    <pc:docChg chg="modSld">
+      <pc:chgData name="Lines, Todd" userId="afaf7c3a-e8aa-4568-882a-02ad8f9e19b0" providerId="ADAL" clId="{898D0146-72F8-4F40-A817-A6D87CEC5801}" dt="2024-03-08T22:17:07.009" v="41" actId="403"/>
+      <pc:docMkLst>
+        <pc:docMk/>
+      </pc:docMkLst>
+      <pc:sldChg chg="addSp modSp mod">
+        <pc:chgData name="Lines, Todd" userId="afaf7c3a-e8aa-4568-882a-02ad8f9e19b0" providerId="ADAL" clId="{898D0146-72F8-4F40-A817-A6D87CEC5801}" dt="2024-03-08T22:17:07.009" v="41" actId="403"/>
+        <pc:sldMkLst>
+          <pc:docMk/>
+          <pc:sldMk cId="0" sldId="262"/>
+        </pc:sldMkLst>
+        <pc:spChg chg="add mod">
+          <ac:chgData name="Lines, Todd" userId="afaf7c3a-e8aa-4568-882a-02ad8f9e19b0" providerId="ADAL" clId="{898D0146-72F8-4F40-A817-A6D87CEC5801}" dt="2024-03-08T22:17:07.009" v="41" actId="403"/>
+          <ac:spMkLst>
+            <pc:docMk/>
+            <pc:sldMk cId="0" sldId="262"/>
+            <ac:spMk id="2" creationId="{0C6D783D-BEB5-CD85-5B9F-9531806BF96A}"/>
+          </ac:spMkLst>
+        </pc:spChg>
+        <pc:spChg chg="mod">
+          <ac:chgData name="Lines, Todd" userId="afaf7c3a-e8aa-4568-882a-02ad8f9e19b0" providerId="ADAL" clId="{898D0146-72F8-4F40-A817-A6D87CEC5801}" dt="2024-03-08T22:14:00.261" v="1"/>
+          <ac:spMkLst>
+            <pc:docMk/>
+            <pc:sldMk cId="0" sldId="262"/>
+            <ac:spMk id="95235" creationId="{00000000-0000-0000-0000-000000000000}"/>
+          </ac:spMkLst>
+        </pc:spChg>
+        <pc:graphicFrameChg chg="mod">
+          <ac:chgData name="Lines, Todd" userId="afaf7c3a-e8aa-4568-882a-02ad8f9e19b0" providerId="ADAL" clId="{898D0146-72F8-4F40-A817-A6D87CEC5801}" dt="2024-03-08T22:17:00.179" v="37" actId="1076"/>
+          <ac:graphicFrameMkLst>
+            <pc:docMk/>
+            <pc:sldMk cId="0" sldId="262"/>
+            <ac:graphicFrameMk id="95237" creationId="{00000000-0000-0000-0000-000000000000}"/>
+          </ac:graphicFrameMkLst>
+        </pc:graphicFrameChg>
+      </pc:sldChg>
+    </pc:docChg>
+  </pc:docChgLst>
   <pc:docChgLst>
     <pc:chgData name="Lines, Todd" userId="afaf7c3a-e8aa-4568-882a-02ad8f9e19b0" providerId="ADAL" clId="{AF54C565-CD27-483A-B284-ED2DCF58DF8E}"/>
     <pc:docChg chg="custSel addSld modSld sldOrd">
@@ -1007,7 +1047,7 @@
           <a:p>
             <a:fld id="{0EA0314B-5EF7-4069-A62A-97789687DA83}" type="datetimeFigureOut">
               <a:rPr lang="en-US" smtClean="0"/>
-              <a:t>11/6/2023</a:t>
+              <a:t>3/8/2024</a:t>
             </a:fld>
             <a:endParaRPr lang="en-US"/>
           </a:p>
@@ -2326,7 +2366,7 @@
             <a:fld id="{EB093BFD-CE27-42E5-8E44-4833A1C4E27A}" type="datetimeFigureOut">
               <a:rPr lang="en-US" smtClean="0"/>
               <a:pPr/>
-              <a:t>11/6/2023</a:t>
+              <a:t>3/8/2024</a:t>
             </a:fld>
             <a:endParaRPr lang="en-US"/>
           </a:p>
@@ -2491,7 +2531,7 @@
             <a:fld id="{EB093BFD-CE27-42E5-8E44-4833A1C4E27A}" type="datetimeFigureOut">
               <a:rPr lang="en-US" smtClean="0"/>
               <a:pPr/>
-              <a:t>11/6/2023</a:t>
+              <a:t>3/8/2024</a:t>
             </a:fld>
             <a:endParaRPr lang="en-US"/>
           </a:p>
@@ -2666,7 +2706,7 @@
             <a:fld id="{EB093BFD-CE27-42E5-8E44-4833A1C4E27A}" type="datetimeFigureOut">
               <a:rPr lang="en-US" smtClean="0"/>
               <a:pPr/>
-              <a:t>11/6/2023</a:t>
+              <a:t>3/8/2024</a:t>
             </a:fld>
             <a:endParaRPr lang="en-US"/>
           </a:p>
@@ -3058,7 +3098,7 @@
             <a:fld id="{EB093BFD-CE27-42E5-8E44-4833A1C4E27A}" type="datetimeFigureOut">
               <a:rPr lang="en-US" smtClean="0"/>
               <a:pPr/>
-              <a:t>11/6/2023</a:t>
+              <a:t>3/8/2024</a:t>
             </a:fld>
             <a:endParaRPr lang="en-US"/>
           </a:p>
@@ -3300,7 +3340,7 @@
             <a:fld id="{EB093BFD-CE27-42E5-8E44-4833A1C4E27A}" type="datetimeFigureOut">
               <a:rPr lang="en-US" smtClean="0"/>
               <a:pPr/>
-              <a:t>11/6/2023</a:t>
+              <a:t>3/8/2024</a:t>
             </a:fld>
             <a:endParaRPr lang="en-US"/>
           </a:p>
@@ -3582,7 +3622,7 @@
             <a:fld id="{EB093BFD-CE27-42E5-8E44-4833A1C4E27A}" type="datetimeFigureOut">
               <a:rPr lang="en-US" smtClean="0"/>
               <a:pPr/>
-              <a:t>11/6/2023</a:t>
+              <a:t>3/8/2024</a:t>
             </a:fld>
             <a:endParaRPr lang="en-US"/>
           </a:p>
@@ -3998,7 +4038,7 @@
             <a:fld id="{EB093BFD-CE27-42E5-8E44-4833A1C4E27A}" type="datetimeFigureOut">
               <a:rPr lang="en-US" smtClean="0"/>
               <a:pPr/>
-              <a:t>11/6/2023</a:t>
+              <a:t>3/8/2024</a:t>
             </a:fld>
             <a:endParaRPr lang="en-US"/>
           </a:p>
@@ -4112,7 +4152,7 @@
             <a:fld id="{EB093BFD-CE27-42E5-8E44-4833A1C4E27A}" type="datetimeFigureOut">
               <a:rPr lang="en-US" smtClean="0"/>
               <a:pPr/>
-              <a:t>11/6/2023</a:t>
+              <a:t>3/8/2024</a:t>
             </a:fld>
             <a:endParaRPr lang="en-US"/>
           </a:p>
@@ -4204,7 +4244,7 @@
             <a:fld id="{EB093BFD-CE27-42E5-8E44-4833A1C4E27A}" type="datetimeFigureOut">
               <a:rPr lang="en-US" smtClean="0"/>
               <a:pPr/>
-              <a:t>11/6/2023</a:t>
+              <a:t>3/8/2024</a:t>
             </a:fld>
             <a:endParaRPr lang="en-US"/>
           </a:p>
@@ -4476,7 +4516,7 @@
             <a:fld id="{EB093BFD-CE27-42E5-8E44-4833A1C4E27A}" type="datetimeFigureOut">
               <a:rPr lang="en-US" smtClean="0"/>
               <a:pPr/>
-              <a:t>11/6/2023</a:t>
+              <a:t>3/8/2024</a:t>
             </a:fld>
             <a:endParaRPr lang="en-US"/>
           </a:p>
@@ -4725,7 +4765,7 @@
             <a:fld id="{EB093BFD-CE27-42E5-8E44-4833A1C4E27A}" type="datetimeFigureOut">
               <a:rPr lang="en-US" smtClean="0"/>
               <a:pPr/>
-              <a:t>11/6/2023</a:t>
+              <a:t>3/8/2024</a:t>
             </a:fld>
             <a:endParaRPr lang="en-US"/>
           </a:p>
@@ -4933,7 +4973,7 @@
             <a:fld id="{EB093BFD-CE27-42E5-8E44-4833A1C4E27A}" type="datetimeFigureOut">
               <a:rPr lang="en-US" smtClean="0"/>
               <a:pPr/>
-              <a:t>11/6/2023</a:t>
+              <a:t>3/8/2024</a:t>
             </a:fld>
             <a:endParaRPr lang="en-US"/>
           </a:p>
@@ -9632,7 +9672,7 @@
           <a:lstStyle/>
           <a:p>
             <a:r>
-              <a:rPr lang="en-US" sz="2800"/>
+              <a:rPr lang="en-US" sz="2800" dirty="0"/>
               <a:t>From Gauss’s Law, the field between the cylinders is</a:t>
             </a:r>
           </a:p>
@@ -9642,105 +9682,103 @@
               <a:buNone/>
             </a:pPr>
             <a:r>
-              <a:rPr lang="en-US" sz="2800"/>
+              <a:rPr lang="en-US" sz="2800" dirty="0"/>
               <a:t>	</a:t>
             </a:r>
             <a:r>
-              <a:rPr lang="en-US" sz="2800" i="1"/>
+              <a:rPr lang="en-US" sz="2800" i="1" dirty="0"/>
               <a:t>E</a:t>
             </a:r>
             <a:r>
-              <a:rPr lang="en-US" sz="2800"/>
+              <a:rPr lang="en-US" sz="2800" dirty="0"/>
               <a:t> = 2</a:t>
             </a:r>
             <a:r>
-              <a:rPr lang="en-US" sz="2800" i="1"/>
+              <a:rPr lang="en-US" sz="2800" i="1" dirty="0"/>
               <a:t>k</a:t>
             </a:r>
             <a:r>
-              <a:rPr lang="en-US" sz="2800" i="1" baseline="-25000"/>
+              <a:rPr lang="en-US" sz="2800" i="1" baseline="-25000" dirty="0"/>
               <a:t>e</a:t>
             </a:r>
             <a:r>
-              <a:rPr lang="en-US" sz="2800" i="1">
-                <a:latin typeface="Symbol" pitchFamily="18" charset="2"/>
-                <a:cs typeface="Arial" charset="0"/>
+              <a:rPr lang="en-US" sz="2800" i="1" dirty="0">
+                <a:sym typeface="Symbol" panose="05050102010706020507" pitchFamily="18" charset="2"/>
               </a:rPr>
-              <a:t>λ</a:t>
-            </a:r>
-            <a:r>
-              <a:rPr lang="en-US" sz="2800"/>
+              <a:t></a:t>
+            </a:r>
+            <a:r>
+              <a:rPr lang="en-US" sz="2800" dirty="0"/>
               <a:t> / </a:t>
             </a:r>
             <a:r>
-              <a:rPr lang="en-US" sz="2800" i="1"/>
+              <a:rPr lang="en-US" sz="2800" i="1" dirty="0"/>
               <a:t>r</a:t>
             </a:r>
           </a:p>
           <a:p>
             <a:r>
-              <a:rPr lang="en-US" sz="2800">
+              <a:rPr lang="en-US" sz="2800" dirty="0">
                 <a:latin typeface="Symbol" pitchFamily="18" charset="2"/>
               </a:rPr>
               <a:t>D</a:t>
             </a:r>
             <a:r>
-              <a:rPr lang="en-US" sz="2800" i="1"/>
+              <a:rPr lang="en-US" sz="2800" i="1" dirty="0"/>
               <a:t>V</a:t>
             </a:r>
             <a:r>
-              <a:rPr lang="en-US" sz="2800"/>
+              <a:rPr lang="en-US" sz="2800" dirty="0"/>
               <a:t> = -2</a:t>
             </a:r>
             <a:r>
-              <a:rPr lang="en-US" sz="2800" i="1"/>
+              <a:rPr lang="en-US" sz="2800" i="1" dirty="0"/>
               <a:t>k</a:t>
             </a:r>
             <a:r>
-              <a:rPr lang="en-US" sz="2800" i="1" baseline="-25000"/>
+              <a:rPr lang="en-US" sz="2800" i="1" baseline="-25000" dirty="0"/>
               <a:t>e</a:t>
             </a:r>
             <a:r>
-              <a:rPr lang="en-US" sz="2800" i="1">
-                <a:latin typeface="Symbol" pitchFamily="18" charset="2"/>
-                <a:cs typeface="Arial" charset="0"/>
+              <a:rPr lang="en-US" sz="2800" i="1" dirty="0">
+                <a:sym typeface="Symbol" panose="05050102010706020507" pitchFamily="18" charset="2"/>
               </a:rPr>
-              <a:t>λ</a:t>
-            </a:r>
-            <a:r>
-              <a:rPr lang="en-US" sz="2800"/>
-              <a:t> ln (</a:t>
-            </a:r>
-            <a:r>
-              <a:rPr lang="en-US" sz="2800" i="1"/>
+              <a:t>  </a:t>
+            </a:r>
+            <a:r>
+              <a:rPr lang="en-US" sz="2800" dirty="0"/>
+              <a:t>ln (</a:t>
+            </a:r>
+            <a:r>
+              <a:rPr lang="en-US" sz="2800" i="1" dirty="0"/>
               <a:t>b</a:t>
             </a:r>
             <a:r>
-              <a:rPr lang="en-US" sz="2800"/>
+              <a:rPr lang="en-US" sz="2800" dirty="0"/>
               <a:t>/</a:t>
             </a:r>
             <a:r>
-              <a:rPr lang="en-US" sz="2800" i="1"/>
+              <a:rPr lang="en-US" sz="2800" i="1" dirty="0"/>
               <a:t>a</a:t>
             </a:r>
             <a:r>
-              <a:rPr lang="en-US" sz="2800"/>
+              <a:rPr lang="en-US" sz="2800" dirty="0"/>
               <a:t>)</a:t>
             </a:r>
           </a:p>
           <a:p>
             <a:r>
-              <a:rPr lang="en-US" sz="2800"/>
+              <a:rPr lang="en-US" sz="2800" dirty="0"/>
               <a:t>The capacitance becomes</a:t>
             </a:r>
           </a:p>
           <a:p>
-            <a:endParaRPr lang="en-US" sz="2800">
+            <a:endParaRPr lang="en-US" sz="2800" dirty="0">
               <a:latin typeface="Symbol" pitchFamily="18" charset="2"/>
             </a:endParaRPr>
           </a:p>
           <a:p>
-            <a:endParaRPr lang="en-US" sz="2800"/>
+            <a:endParaRPr lang="en-US" sz="2800" dirty="0"/>
           </a:p>
         </p:txBody>
       </p:sp>
@@ -9750,10 +9788,16 @@
           <p:cNvGraphicFramePr>
             <a:graphicFrameLocks noChangeAspect="1"/>
           </p:cNvGraphicFramePr>
-          <p:nvPr/>
+          <p:nvPr>
+            <p:extLst>
+              <p:ext uri="{D42A27DB-BD31-4B8C-83A1-F6EECF244321}">
+                <p14:modId xmlns:p14="http://schemas.microsoft.com/office/powerpoint/2010/main" val="2212697099"/>
+              </p:ext>
+            </p:extLst>
+          </p:nvPr>
         </p:nvGraphicFramePr>
         <p:xfrm>
-          <a:off x="867228" y="5204959"/>
+          <a:off x="1011238" y="668337"/>
           <a:ext cx="3200400" cy="949325"/>
         </p:xfrm>
         <a:graphic>
@@ -9790,7 +9834,7 @@
                     </p:blipFill>
                     <p:spPr bwMode="auto">
                       <a:xfrm>
-                        <a:off x="867228" y="5204959"/>
+                        <a:off x="1011238" y="668337"/>
                         <a:ext cx="3200400" cy="949325"/>
                       </a:xfrm>
                       <a:prstGeom prst="rect">
@@ -9987,6 +10031,253 @@
           </a:p>
         </p:txBody>
       </p:sp>
+      <mc:AlternateContent xmlns:mc="http://schemas.openxmlformats.org/markup-compatibility/2006">
+        <mc:Choice xmlns:a14="http://schemas.microsoft.com/office/drawing/2010/main" Requires="a14">
+          <p:sp>
+            <p:nvSpPr>
+              <p:cNvPr id="2" name="TextBox 1">
+                <a:extLst>
+                  <a:ext uri="{FF2B5EF4-FFF2-40B4-BE49-F238E27FC236}">
+                    <a16:creationId xmlns:a16="http://schemas.microsoft.com/office/drawing/2014/main" id="{0C6D783D-BEB5-CD85-5B9F-9531806BF96A}"/>
+                  </a:ext>
+                </a:extLst>
+              </p:cNvPr>
+              <p:cNvSpPr txBox="1"/>
+              <p:nvPr/>
+            </p:nvSpPr>
+            <p:spPr>
+              <a:xfrm>
+                <a:off x="1011238" y="5142123"/>
+                <a:ext cx="3029419" cy="1168781"/>
+              </a:xfrm>
+              <a:prstGeom prst="rect">
+                <a:avLst/>
+              </a:prstGeom>
+              <a:noFill/>
+            </p:spPr>
+            <p:txBody>
+              <a:bodyPr wrap="none" lIns="0" tIns="0" rIns="0" bIns="0" rtlCol="0">
+                <a:spAutoFit/>
+              </a:bodyPr>
+              <a:lstStyle/>
+              <a:p>
+                <a14:m>
+                  <m:oMathPara xmlns:m="http://schemas.openxmlformats.org/officeDocument/2006/math">
+                    <m:oMathParaPr>
+                      <m:jc m:val="centerGroup"/>
+                    </m:oMathParaPr>
+                    <m:oMath xmlns:m="http://schemas.openxmlformats.org/officeDocument/2006/math">
+                      <m:r>
+                        <a:rPr lang="en-US" sz="2800" b="0" i="1" smtClean="0">
+                          <a:latin typeface="Cambria Math" panose="02040503050406030204" pitchFamily="18" charset="0"/>
+                        </a:rPr>
+                        <m:t>𝐶</m:t>
+                      </m:r>
+                      <m:r>
+                        <a:rPr lang="en-US" sz="2800" b="0" i="1" smtClean="0">
+                          <a:latin typeface="Cambria Math" panose="02040503050406030204" pitchFamily="18" charset="0"/>
+                        </a:rPr>
+                        <m:t>=</m:t>
+                      </m:r>
+                      <m:f>
+                        <m:fPr>
+                          <m:ctrlPr>
+                            <a:rPr lang="en-US" sz="2800" b="0" i="1" smtClean="0">
+                              <a:latin typeface="Cambria Math" panose="02040503050406030204" pitchFamily="18" charset="0"/>
+                            </a:rPr>
+                          </m:ctrlPr>
+                        </m:fPr>
+                        <m:num>
+                          <m:r>
+                            <a:rPr lang="en-US" sz="2800" b="0" i="1" smtClean="0">
+                              <a:latin typeface="Cambria Math" panose="02040503050406030204" pitchFamily="18" charset="0"/>
+                            </a:rPr>
+                            <m:t>𝑄</m:t>
+                          </m:r>
+                        </m:num>
+                        <m:den>
+                          <m:r>
+                            <a:rPr lang="en-US" sz="2800" b="0" i="1" smtClean="0">
+                              <a:latin typeface="Cambria Math" panose="02040503050406030204" pitchFamily="18" charset="0"/>
+                              <a:ea typeface="Cambria Math" panose="02040503050406030204" pitchFamily="18" charset="0"/>
+                            </a:rPr>
+                            <m:t>∆</m:t>
+                          </m:r>
+                          <m:r>
+                            <a:rPr lang="en-US" sz="2800" b="0" i="1" smtClean="0">
+                              <a:latin typeface="Cambria Math" panose="02040503050406030204" pitchFamily="18" charset="0"/>
+                              <a:ea typeface="Cambria Math" panose="02040503050406030204" pitchFamily="18" charset="0"/>
+                            </a:rPr>
+                            <m:t>𝑉</m:t>
+                          </m:r>
+                        </m:den>
+                      </m:f>
+                      <m:r>
+                        <a:rPr lang="en-US" sz="2800" b="0" i="1" smtClean="0">
+                          <a:latin typeface="Cambria Math" panose="02040503050406030204" pitchFamily="18" charset="0"/>
+                        </a:rPr>
+                        <m:t>=</m:t>
+                      </m:r>
+                      <m:f>
+                        <m:fPr>
+                          <m:ctrlPr>
+                            <a:rPr lang="en-US" sz="2800" b="0" i="1" smtClean="0">
+                              <a:latin typeface="Cambria Math" panose="02040503050406030204" pitchFamily="18" charset="0"/>
+                            </a:rPr>
+                          </m:ctrlPr>
+                        </m:fPr>
+                        <m:num>
+                          <m:r>
+                            <a:rPr lang="en-US" sz="2800" i="1">
+                              <a:latin typeface="Cambria Math" panose="02040503050406030204" pitchFamily="18" charset="0"/>
+                              <a:ea typeface="Cambria Math" panose="02040503050406030204" pitchFamily="18" charset="0"/>
+                            </a:rPr>
+                            <m:t>ℓ</m:t>
+                          </m:r>
+                        </m:num>
+                        <m:den>
+                          <m:r>
+                            <a:rPr lang="en-US" sz="2800" b="0" i="1" smtClean="0">
+                              <a:latin typeface="Cambria Math" panose="02040503050406030204" pitchFamily="18" charset="0"/>
+                            </a:rPr>
+                            <m:t>2</m:t>
+                          </m:r>
+                          <m:r>
+                            <a:rPr lang="en-US" sz="2800" b="0" i="1" smtClean="0">
+                              <a:latin typeface="Cambria Math" panose="02040503050406030204" pitchFamily="18" charset="0"/>
+                            </a:rPr>
+                            <m:t>𝑘𝑙𝑛</m:t>
+                          </m:r>
+                          <m:r>
+                            <a:rPr lang="en-US" sz="2800" b="0" i="1" smtClean="0">
+                              <a:latin typeface="Cambria Math" panose="02040503050406030204" pitchFamily="18" charset="0"/>
+                            </a:rPr>
+                            <m:t>(</m:t>
+                          </m:r>
+                          <m:f>
+                            <m:fPr>
+                              <m:ctrlPr>
+                                <a:rPr lang="en-US" sz="2800" b="0" i="1" smtClean="0">
+                                  <a:latin typeface="Cambria Math" panose="02040503050406030204" pitchFamily="18" charset="0"/>
+                                </a:rPr>
+                              </m:ctrlPr>
+                            </m:fPr>
+                            <m:num>
+                              <m:sSub>
+                                <m:sSubPr>
+                                  <m:ctrlPr>
+                                    <a:rPr lang="en-US" sz="2800" b="0" i="1" smtClean="0">
+                                      <a:latin typeface="Cambria Math" panose="02040503050406030204" pitchFamily="18" charset="0"/>
+                                    </a:rPr>
+                                  </m:ctrlPr>
+                                </m:sSubPr>
+                                <m:e>
+                                  <m:r>
+                                    <a:rPr lang="en-US" sz="2800" b="0" i="1" smtClean="0">
+                                      <a:latin typeface="Cambria Math" panose="02040503050406030204" pitchFamily="18" charset="0"/>
+                                    </a:rPr>
+                                    <m:t>𝑟</m:t>
+                                  </m:r>
+                                </m:e>
+                                <m:sub>
+                                  <m:r>
+                                    <a:rPr lang="en-US" sz="2800" b="0" i="1" smtClean="0">
+                                      <a:latin typeface="Cambria Math" panose="02040503050406030204" pitchFamily="18" charset="0"/>
+                                    </a:rPr>
+                                    <m:t>𝑎</m:t>
+                                  </m:r>
+                                </m:sub>
+                              </m:sSub>
+                            </m:num>
+                            <m:den>
+                              <m:sSub>
+                                <m:sSubPr>
+                                  <m:ctrlPr>
+                                    <a:rPr lang="en-US" sz="2800" b="0" i="1" smtClean="0">
+                                      <a:latin typeface="Cambria Math" panose="02040503050406030204" pitchFamily="18" charset="0"/>
+                                    </a:rPr>
+                                  </m:ctrlPr>
+                                </m:sSubPr>
+                                <m:e>
+                                  <m:r>
+                                    <a:rPr lang="en-US" sz="2800" b="0" i="1" smtClean="0">
+                                      <a:latin typeface="Cambria Math" panose="02040503050406030204" pitchFamily="18" charset="0"/>
+                                    </a:rPr>
+                                    <m:t>𝑟</m:t>
+                                  </m:r>
+                                </m:e>
+                                <m:sub>
+                                  <m:r>
+                                    <a:rPr lang="en-US" sz="2800" b="0" i="1" smtClean="0">
+                                      <a:latin typeface="Cambria Math" panose="02040503050406030204" pitchFamily="18" charset="0"/>
+                                    </a:rPr>
+                                    <m:t>𝑏</m:t>
+                                  </m:r>
+                                </m:sub>
+                              </m:sSub>
+                            </m:den>
+                          </m:f>
+                          <m:r>
+                            <a:rPr lang="en-US" sz="2800" b="0" i="1" smtClean="0">
+                              <a:latin typeface="Cambria Math" panose="02040503050406030204" pitchFamily="18" charset="0"/>
+                            </a:rPr>
+                            <m:t>)</m:t>
+                          </m:r>
+                        </m:den>
+                      </m:f>
+                    </m:oMath>
+                  </m:oMathPara>
+                </a14:m>
+                <a:endParaRPr lang="en-US" sz="2800" dirty="0"/>
+              </a:p>
+            </p:txBody>
+          </p:sp>
+        </mc:Choice>
+        <mc:Fallback>
+          <p:sp>
+            <p:nvSpPr>
+              <p:cNvPr id="2" name="TextBox 1">
+                <a:extLst>
+                  <a:ext uri="{FF2B5EF4-FFF2-40B4-BE49-F238E27FC236}">
+                    <a16:creationId xmlns:a16="http://schemas.microsoft.com/office/drawing/2014/main" id="{0C6D783D-BEB5-CD85-5B9F-9531806BF96A}"/>
+                  </a:ext>
+                </a:extLst>
+              </p:cNvPr>
+              <p:cNvSpPr txBox="1">
+                <a:spLocks noRot="1" noChangeAspect="1" noMove="1" noResize="1" noEditPoints="1" noAdjustHandles="1" noChangeArrowheads="1" noChangeShapeType="1" noTextEdit="1"/>
+              </p:cNvSpPr>
+              <p:nvPr/>
+            </p:nvSpPr>
+            <p:spPr>
+              <a:xfrm>
+                <a:off x="1011238" y="5142123"/>
+                <a:ext cx="3029419" cy="1168781"/>
+              </a:xfrm>
+              <a:prstGeom prst="rect">
+                <a:avLst/>
+              </a:prstGeom>
+              <a:blipFill>
+                <a:blip r:embed="rId5"/>
+                <a:stretch>
+                  <a:fillRect/>
+                </a:stretch>
+              </a:blipFill>
+            </p:spPr>
+            <p:txBody>
+              <a:bodyPr/>
+              <a:lstStyle/>
+              <a:p>
+                <a:r>
+                  <a:rPr lang="en-US">
+                    <a:noFill/>
+                  </a:rPr>
+                  <a:t> </a:t>
+                </a:r>
+              </a:p>
+            </p:txBody>
+          </p:sp>
+        </mc:Fallback>
+      </mc:AlternateContent>
     </p:spTree>
   </p:cSld>
   <p:clrMapOvr>
@@ -14846,8 +15137,8 @@
           </a:p>
         </p:txBody>
       </p:sp>
-      <mc:AlternateContent xmlns:mc="http://schemas.openxmlformats.org/markup-compatibility/2006">
-        <mc:Choice xmlns:a14="http://schemas.microsoft.com/office/drawing/2010/main" Requires="a14">
+      <mc:AlternateContent xmlns:mc="http://schemas.openxmlformats.org/markup-compatibility/2006" xmlns:a14="http://schemas.microsoft.com/office/drawing/2010/main">
+        <mc:Choice Requires="a14">
           <p:sp>
             <p:nvSpPr>
               <p:cNvPr id="6" name="Content Placeholder 5">
@@ -15211,7 +15502,7 @@
             </p:txBody>
           </p:sp>
         </mc:Choice>
-        <mc:Fallback>
+        <mc:Fallback xmlns="">
           <p:sp>
             <p:nvSpPr>
               <p:cNvPr id="6" name="Content Placeholder 5">
@@ -16127,8 +16418,8 @@
           </a:p>
         </p:txBody>
       </p:sp>
-      <mc:AlternateContent xmlns:mc="http://schemas.openxmlformats.org/markup-compatibility/2006">
-        <mc:Choice xmlns:a14="http://schemas.microsoft.com/office/drawing/2010/main" Requires="a14">
+      <mc:AlternateContent xmlns:mc="http://schemas.openxmlformats.org/markup-compatibility/2006" xmlns:a14="http://schemas.microsoft.com/office/drawing/2010/main">
+        <mc:Choice Requires="a14">
           <p:sp>
             <p:nvSpPr>
               <p:cNvPr id="6" name="Content Placeholder 5">
@@ -16492,7 +16783,7 @@
             </p:txBody>
           </p:sp>
         </mc:Choice>
-        <mc:Fallback>
+        <mc:Fallback xmlns="">
           <p:sp>
             <p:nvSpPr>
               <p:cNvPr id="6" name="Content Placeholder 5">

--- a/Slides/PH223_Lecture_34.pptx
+++ b/Slides/PH223_Lecture_34.pptx
@@ -159,7 +159,7 @@
 <file path=ppt/revisionInfo.xml><?xml version="1.0" encoding="utf-8"?>
 <p1510:revInfo xmlns:a="http://schemas.openxmlformats.org/drawingml/2006/main" xmlns:r="http://schemas.openxmlformats.org/officeDocument/2006/relationships" xmlns:p1510="http://schemas.microsoft.com/office/powerpoint/2015/10/main">
   <p1510:revLst>
-    <p1510:client id="{898D0146-72F8-4F40-A817-A6D87CEC5801}" v="38" dt="2024-03-08T22:17:07.010"/>
+    <p1510:client id="{39AB46FF-37E2-4C92-BADE-71E469485B87}" v="14" dt="2024-06-20T16:46:24.550"/>
   </p1510:revLst>
 </p1510:revInfo>
 </file>
@@ -203,6 +203,283 @@
             <ac:graphicFrameMk id="95237" creationId="{00000000-0000-0000-0000-000000000000}"/>
           </ac:graphicFrameMkLst>
         </pc:graphicFrameChg>
+      </pc:sldChg>
+    </pc:docChg>
+  </pc:docChgLst>
+  <pc:docChgLst>
+    <pc:chgData name="Lines, Todd" userId="afaf7c3a-e8aa-4568-882a-02ad8f9e19b0" providerId="ADAL" clId="{39AB46FF-37E2-4C92-BADE-71E469485B87}"/>
+    <pc:docChg chg="custSel modSld">
+      <pc:chgData name="Lines, Todd" userId="afaf7c3a-e8aa-4568-882a-02ad8f9e19b0" providerId="ADAL" clId="{39AB46FF-37E2-4C92-BADE-71E469485B87}" dt="2024-06-20T16:46:24.550" v="186" actId="20577"/>
+      <pc:docMkLst>
+        <pc:docMk/>
+      </pc:docMkLst>
+      <pc:sldChg chg="modSp mod">
+        <pc:chgData name="Lines, Todd" userId="afaf7c3a-e8aa-4568-882a-02ad8f9e19b0" providerId="ADAL" clId="{39AB46FF-37E2-4C92-BADE-71E469485B87}" dt="2024-06-20T16:38:42.904" v="48" actId="313"/>
+        <pc:sldMkLst>
+          <pc:docMk/>
+          <pc:sldMk cId="0" sldId="767"/>
+        </pc:sldMkLst>
+        <pc:spChg chg="mod">
+          <ac:chgData name="Lines, Todd" userId="afaf7c3a-e8aa-4568-882a-02ad8f9e19b0" providerId="ADAL" clId="{39AB46FF-37E2-4C92-BADE-71E469485B87}" dt="2024-06-20T16:33:50.897" v="1" actId="947"/>
+          <ac:spMkLst>
+            <pc:docMk/>
+            <pc:sldMk cId="0" sldId="767"/>
+            <ac:spMk id="23" creationId="{00000000-0000-0000-0000-000000000000}"/>
+          </ac:spMkLst>
+        </pc:spChg>
+        <pc:spChg chg="mod">
+          <ac:chgData name="Lines, Todd" userId="afaf7c3a-e8aa-4568-882a-02ad8f9e19b0" providerId="ADAL" clId="{39AB46FF-37E2-4C92-BADE-71E469485B87}" dt="2024-06-20T16:34:08.626" v="3" actId="947"/>
+          <ac:spMkLst>
+            <pc:docMk/>
+            <pc:sldMk cId="0" sldId="767"/>
+            <ac:spMk id="24" creationId="{00000000-0000-0000-0000-000000000000}"/>
+          </ac:spMkLst>
+        </pc:spChg>
+        <pc:spChg chg="mod">
+          <ac:chgData name="Lines, Todd" userId="afaf7c3a-e8aa-4568-882a-02ad8f9e19b0" providerId="ADAL" clId="{39AB46FF-37E2-4C92-BADE-71E469485B87}" dt="2024-06-20T16:38:42.904" v="48" actId="313"/>
+          <ac:spMkLst>
+            <pc:docMk/>
+            <pc:sldMk cId="0" sldId="767"/>
+            <ac:spMk id="1511428" creationId="{00000000-0000-0000-0000-000000000000}"/>
+          </ac:spMkLst>
+        </pc:spChg>
+        <pc:spChg chg="mod">
+          <ac:chgData name="Lines, Todd" userId="afaf7c3a-e8aa-4568-882a-02ad8f9e19b0" providerId="ADAL" clId="{39AB46FF-37E2-4C92-BADE-71E469485B87}" dt="2024-06-20T16:34:27.054" v="6" actId="947"/>
+          <ac:spMkLst>
+            <pc:docMk/>
+            <pc:sldMk cId="0" sldId="767"/>
+            <ac:spMk id="1511437" creationId="{00000000-0000-0000-0000-000000000000}"/>
+          </ac:spMkLst>
+        </pc:spChg>
+        <pc:spChg chg="mod">
+          <ac:chgData name="Lines, Todd" userId="afaf7c3a-e8aa-4568-882a-02ad8f9e19b0" providerId="ADAL" clId="{39AB46FF-37E2-4C92-BADE-71E469485B87}" dt="2024-06-20T16:34:39.721" v="8" actId="947"/>
+          <ac:spMkLst>
+            <pc:docMk/>
+            <pc:sldMk cId="0" sldId="767"/>
+            <ac:spMk id="1511438" creationId="{00000000-0000-0000-0000-000000000000}"/>
+          </ac:spMkLst>
+        </pc:spChg>
+      </pc:sldChg>
+      <pc:sldChg chg="modSp mod">
+        <pc:chgData name="Lines, Todd" userId="afaf7c3a-e8aa-4568-882a-02ad8f9e19b0" providerId="ADAL" clId="{39AB46FF-37E2-4C92-BADE-71E469485B87}" dt="2024-06-20T16:38:43.874" v="49" actId="313"/>
+        <pc:sldMkLst>
+          <pc:docMk/>
+          <pc:sldMk cId="0" sldId="768"/>
+        </pc:sldMkLst>
+        <pc:spChg chg="mod">
+          <ac:chgData name="Lines, Todd" userId="afaf7c3a-e8aa-4568-882a-02ad8f9e19b0" providerId="ADAL" clId="{39AB46FF-37E2-4C92-BADE-71E469485B87}" dt="2024-06-20T16:38:43.874" v="49" actId="313"/>
+          <ac:spMkLst>
+            <pc:docMk/>
+            <pc:sldMk cId="0" sldId="768"/>
+            <ac:spMk id="1513478" creationId="{00000000-0000-0000-0000-000000000000}"/>
+          </ac:spMkLst>
+        </pc:spChg>
+      </pc:sldChg>
+      <pc:sldChg chg="modSp mod">
+        <pc:chgData name="Lines, Todd" userId="afaf7c3a-e8aa-4568-882a-02ad8f9e19b0" providerId="ADAL" clId="{39AB46FF-37E2-4C92-BADE-71E469485B87}" dt="2024-06-20T16:39:06.453" v="59" actId="313"/>
+        <pc:sldMkLst>
+          <pc:docMk/>
+          <pc:sldMk cId="0" sldId="769"/>
+        </pc:sldMkLst>
+        <pc:spChg chg="mod">
+          <ac:chgData name="Lines, Todd" userId="afaf7c3a-e8aa-4568-882a-02ad8f9e19b0" providerId="ADAL" clId="{39AB46FF-37E2-4C92-BADE-71E469485B87}" dt="2024-06-20T16:39:06.453" v="59" actId="313"/>
+          <ac:spMkLst>
+            <pc:docMk/>
+            <pc:sldMk cId="0" sldId="769"/>
+            <ac:spMk id="1515523" creationId="{00000000-0000-0000-0000-000000000000}"/>
+          </ac:spMkLst>
+        </pc:spChg>
+      </pc:sldChg>
+      <pc:sldChg chg="modSp mod">
+        <pc:chgData name="Lines, Todd" userId="afaf7c3a-e8aa-4568-882a-02ad8f9e19b0" providerId="ADAL" clId="{39AB46FF-37E2-4C92-BADE-71E469485B87}" dt="2024-06-20T16:43:46.471" v="164" actId="1076"/>
+        <pc:sldMkLst>
+          <pc:docMk/>
+          <pc:sldMk cId="0" sldId="770"/>
+        </pc:sldMkLst>
+        <pc:spChg chg="mod">
+          <ac:chgData name="Lines, Todd" userId="afaf7c3a-e8aa-4568-882a-02ad8f9e19b0" providerId="ADAL" clId="{39AB46FF-37E2-4C92-BADE-71E469485B87}" dt="2024-06-20T16:39:07.456" v="60" actId="313"/>
+          <ac:spMkLst>
+            <pc:docMk/>
+            <pc:sldMk cId="0" sldId="770"/>
+            <ac:spMk id="1517574" creationId="{00000000-0000-0000-0000-000000000000}"/>
+          </ac:spMkLst>
+        </pc:spChg>
+        <pc:graphicFrameChg chg="mod">
+          <ac:chgData name="Lines, Todd" userId="afaf7c3a-e8aa-4568-882a-02ad8f9e19b0" providerId="ADAL" clId="{39AB46FF-37E2-4C92-BADE-71E469485B87}" dt="2024-06-20T16:43:46.471" v="164" actId="1076"/>
+          <ac:graphicFrameMkLst>
+            <pc:docMk/>
+            <pc:sldMk cId="0" sldId="770"/>
+            <ac:graphicFrameMk id="1517575" creationId="{00000000-0000-0000-0000-000000000000}"/>
+          </ac:graphicFrameMkLst>
+        </pc:graphicFrameChg>
+      </pc:sldChg>
+      <pc:sldChg chg="modSp mod">
+        <pc:chgData name="Lines, Todd" userId="afaf7c3a-e8aa-4568-882a-02ad8f9e19b0" providerId="ADAL" clId="{39AB46FF-37E2-4C92-BADE-71E469485B87}" dt="2024-06-20T16:40:39.880" v="118" actId="113"/>
+        <pc:sldMkLst>
+          <pc:docMk/>
+          <pc:sldMk cId="0" sldId="771"/>
+        </pc:sldMkLst>
+        <pc:spChg chg="mod">
+          <ac:chgData name="Lines, Todd" userId="afaf7c3a-e8aa-4568-882a-02ad8f9e19b0" providerId="ADAL" clId="{39AB46FF-37E2-4C92-BADE-71E469485B87}" dt="2024-06-20T16:40:39.880" v="118" actId="113"/>
+          <ac:spMkLst>
+            <pc:docMk/>
+            <pc:sldMk cId="0" sldId="771"/>
+            <ac:spMk id="1519629" creationId="{00000000-0000-0000-0000-000000000000}"/>
+          </ac:spMkLst>
+        </pc:spChg>
+        <pc:spChg chg="mod">
+          <ac:chgData name="Lines, Todd" userId="afaf7c3a-e8aa-4568-882a-02ad8f9e19b0" providerId="ADAL" clId="{39AB46FF-37E2-4C92-BADE-71E469485B87}" dt="2024-06-20T16:39:08.494" v="61" actId="313"/>
+          <ac:spMkLst>
+            <pc:docMk/>
+            <pc:sldMk cId="0" sldId="771"/>
+            <ac:spMk id="1519630" creationId="{00000000-0000-0000-0000-000000000000}"/>
+          </ac:spMkLst>
+        </pc:spChg>
+      </pc:sldChg>
+      <pc:sldChg chg="modSp mod">
+        <pc:chgData name="Lines, Todd" userId="afaf7c3a-e8aa-4568-882a-02ad8f9e19b0" providerId="ADAL" clId="{39AB46FF-37E2-4C92-BADE-71E469485B87}" dt="2024-06-20T16:43:34.197" v="161" actId="1076"/>
+        <pc:sldMkLst>
+          <pc:docMk/>
+          <pc:sldMk cId="0" sldId="772"/>
+        </pc:sldMkLst>
+        <pc:spChg chg="mod">
+          <ac:chgData name="Lines, Todd" userId="afaf7c3a-e8aa-4568-882a-02ad8f9e19b0" providerId="ADAL" clId="{39AB46FF-37E2-4C92-BADE-71E469485B87}" dt="2024-06-20T16:40:46.812" v="119"/>
+          <ac:spMkLst>
+            <pc:docMk/>
+            <pc:sldMk cId="0" sldId="772"/>
+            <ac:spMk id="1521680" creationId="{00000000-0000-0000-0000-000000000000}"/>
+          </ac:spMkLst>
+        </pc:spChg>
+        <pc:spChg chg="mod">
+          <ac:chgData name="Lines, Todd" userId="afaf7c3a-e8aa-4568-882a-02ad8f9e19b0" providerId="ADAL" clId="{39AB46FF-37E2-4C92-BADE-71E469485B87}" dt="2024-06-20T16:40:57.259" v="120"/>
+          <ac:spMkLst>
+            <pc:docMk/>
+            <pc:sldMk cId="0" sldId="772"/>
+            <ac:spMk id="1521681" creationId="{00000000-0000-0000-0000-000000000000}"/>
+          </ac:spMkLst>
+        </pc:spChg>
+        <pc:graphicFrameChg chg="mod">
+          <ac:chgData name="Lines, Todd" userId="afaf7c3a-e8aa-4568-882a-02ad8f9e19b0" providerId="ADAL" clId="{39AB46FF-37E2-4C92-BADE-71E469485B87}" dt="2024-06-20T16:43:34.197" v="161" actId="1076"/>
+          <ac:graphicFrameMkLst>
+            <pc:docMk/>
+            <pc:sldMk cId="0" sldId="772"/>
+            <ac:graphicFrameMk id="1521679" creationId="{00000000-0000-0000-0000-000000000000}"/>
+          </ac:graphicFrameMkLst>
+        </pc:graphicFrameChg>
+      </pc:sldChg>
+      <pc:sldChg chg="modSp mod">
+        <pc:chgData name="Lines, Todd" userId="afaf7c3a-e8aa-4568-882a-02ad8f9e19b0" providerId="ADAL" clId="{39AB46FF-37E2-4C92-BADE-71E469485B87}" dt="2024-06-20T16:42:21.806" v="159" actId="20577"/>
+        <pc:sldMkLst>
+          <pc:docMk/>
+          <pc:sldMk cId="0" sldId="773"/>
+        </pc:sldMkLst>
+        <pc:spChg chg="mod">
+          <ac:chgData name="Lines, Todd" userId="afaf7c3a-e8aa-4568-882a-02ad8f9e19b0" providerId="ADAL" clId="{39AB46FF-37E2-4C92-BADE-71E469485B87}" dt="2024-06-20T16:42:21.806" v="159" actId="20577"/>
+          <ac:spMkLst>
+            <pc:docMk/>
+            <pc:sldMk cId="0" sldId="773"/>
+            <ac:spMk id="1523715" creationId="{00000000-0000-0000-0000-000000000000}"/>
+          </ac:spMkLst>
+        </pc:spChg>
+        <pc:spChg chg="mod">
+          <ac:chgData name="Lines, Todd" userId="afaf7c3a-e8aa-4568-882a-02ad8f9e19b0" providerId="ADAL" clId="{39AB46FF-37E2-4C92-BADE-71E469485B87}" dt="2024-06-20T16:39:10.806" v="63" actId="313"/>
+          <ac:spMkLst>
+            <pc:docMk/>
+            <pc:sldMk cId="0" sldId="773"/>
+            <ac:spMk id="1523716" creationId="{00000000-0000-0000-0000-000000000000}"/>
+          </ac:spMkLst>
+        </pc:spChg>
+      </pc:sldChg>
+      <pc:sldChg chg="modSp mod">
+        <pc:chgData name="Lines, Todd" userId="afaf7c3a-e8aa-4568-882a-02ad8f9e19b0" providerId="ADAL" clId="{39AB46FF-37E2-4C92-BADE-71E469485B87}" dt="2024-06-20T16:43:17.108" v="160" actId="1076"/>
+        <pc:sldMkLst>
+          <pc:docMk/>
+          <pc:sldMk cId="0" sldId="774"/>
+        </pc:sldMkLst>
+        <pc:spChg chg="mod">
+          <ac:chgData name="Lines, Todd" userId="afaf7c3a-e8aa-4568-882a-02ad8f9e19b0" providerId="ADAL" clId="{39AB46FF-37E2-4C92-BADE-71E469485B87}" dt="2024-06-20T16:42:14.625" v="158" actId="20577"/>
+          <ac:spMkLst>
+            <pc:docMk/>
+            <pc:sldMk cId="0" sldId="774"/>
+            <ac:spMk id="1525766" creationId="{00000000-0000-0000-0000-000000000000}"/>
+          </ac:spMkLst>
+        </pc:spChg>
+        <pc:spChg chg="mod">
+          <ac:chgData name="Lines, Todd" userId="afaf7c3a-e8aa-4568-882a-02ad8f9e19b0" providerId="ADAL" clId="{39AB46FF-37E2-4C92-BADE-71E469485B87}" dt="2024-06-20T16:39:11.873" v="64" actId="313"/>
+          <ac:spMkLst>
+            <pc:docMk/>
+            <pc:sldMk cId="0" sldId="774"/>
+            <ac:spMk id="1525767" creationId="{00000000-0000-0000-0000-000000000000}"/>
+          </ac:spMkLst>
+        </pc:spChg>
+        <pc:graphicFrameChg chg="mod">
+          <ac:chgData name="Lines, Todd" userId="afaf7c3a-e8aa-4568-882a-02ad8f9e19b0" providerId="ADAL" clId="{39AB46FF-37E2-4C92-BADE-71E469485B87}" dt="2024-06-20T16:43:17.108" v="160" actId="1076"/>
+          <ac:graphicFrameMkLst>
+            <pc:docMk/>
+            <pc:sldMk cId="0" sldId="774"/>
+            <ac:graphicFrameMk id="1525778" creationId="{00000000-0000-0000-0000-000000000000}"/>
+          </ac:graphicFrameMkLst>
+        </pc:graphicFrameChg>
+      </pc:sldChg>
+      <pc:sldChg chg="modSp mod">
+        <pc:chgData name="Lines, Todd" userId="afaf7c3a-e8aa-4568-882a-02ad8f9e19b0" providerId="ADAL" clId="{39AB46FF-37E2-4C92-BADE-71E469485B87}" dt="2024-06-20T16:39:04.487" v="57" actId="313"/>
+        <pc:sldMkLst>
+          <pc:docMk/>
+          <pc:sldMk cId="0" sldId="1145"/>
+        </pc:sldMkLst>
+        <pc:spChg chg="mod">
+          <ac:chgData name="Lines, Todd" userId="afaf7c3a-e8aa-4568-882a-02ad8f9e19b0" providerId="ADAL" clId="{39AB46FF-37E2-4C92-BADE-71E469485B87}" dt="2024-06-20T16:39:04.487" v="57" actId="313"/>
+          <ac:spMkLst>
+            <pc:docMk/>
+            <pc:sldMk cId="0" sldId="1145"/>
+            <ac:spMk id="1546266" creationId="{00000000-0000-0000-0000-000000000000}"/>
+          </ac:spMkLst>
+        </pc:spChg>
+      </pc:sldChg>
+      <pc:sldChg chg="modSp mod">
+        <pc:chgData name="Lines, Todd" userId="afaf7c3a-e8aa-4568-882a-02ad8f9e19b0" providerId="ADAL" clId="{39AB46FF-37E2-4C92-BADE-71E469485B87}" dt="2024-06-20T16:39:05.455" v="58" actId="313"/>
+        <pc:sldMkLst>
+          <pc:docMk/>
+          <pc:sldMk cId="0" sldId="1146"/>
+        </pc:sldMkLst>
+        <pc:spChg chg="mod">
+          <ac:chgData name="Lines, Todd" userId="afaf7c3a-e8aa-4568-882a-02ad8f9e19b0" providerId="ADAL" clId="{39AB46FF-37E2-4C92-BADE-71E469485B87}" dt="2024-06-20T16:39:05.455" v="58" actId="313"/>
+          <ac:spMkLst>
+            <pc:docMk/>
+            <pc:sldMk cId="0" sldId="1146"/>
+            <ac:spMk id="1548317" creationId="{00000000-0000-0000-0000-000000000000}"/>
+          </ac:spMkLst>
+        </pc:spChg>
+      </pc:sldChg>
+      <pc:sldChg chg="modSp mod">
+        <pc:chgData name="Lines, Todd" userId="afaf7c3a-e8aa-4568-882a-02ad8f9e19b0" providerId="ADAL" clId="{39AB46FF-37E2-4C92-BADE-71E469485B87}" dt="2024-06-20T16:46:24.550" v="186" actId="20577"/>
+        <pc:sldMkLst>
+          <pc:docMk/>
+          <pc:sldMk cId="2626996999" sldId="1436"/>
+        </pc:sldMkLst>
+        <pc:spChg chg="mod">
+          <ac:chgData name="Lines, Todd" userId="afaf7c3a-e8aa-4568-882a-02ad8f9e19b0" providerId="ADAL" clId="{39AB46FF-37E2-4C92-BADE-71E469485B87}" dt="2024-06-20T16:46:24.550" v="186" actId="20577"/>
+          <ac:spMkLst>
+            <pc:docMk/>
+            <pc:sldMk cId="2626996999" sldId="1436"/>
+            <ac:spMk id="6" creationId="{868FFE0A-6C12-B64E-60EE-542BFCC07B57}"/>
+          </ac:spMkLst>
+        </pc:spChg>
+      </pc:sldChg>
+      <pc:sldChg chg="modSp mod">
+        <pc:chgData name="Lines, Todd" userId="afaf7c3a-e8aa-4568-882a-02ad8f9e19b0" providerId="ADAL" clId="{39AB46FF-37E2-4C92-BADE-71E469485B87}" dt="2024-06-20T16:46:06.105" v="178" actId="27636"/>
+        <pc:sldMkLst>
+          <pc:docMk/>
+          <pc:sldMk cId="3594910808" sldId="1437"/>
+        </pc:sldMkLst>
+        <pc:spChg chg="mod">
+          <ac:chgData name="Lines, Todd" userId="afaf7c3a-e8aa-4568-882a-02ad8f9e19b0" providerId="ADAL" clId="{39AB46FF-37E2-4C92-BADE-71E469485B87}" dt="2024-06-20T16:46:06.105" v="178" actId="27636"/>
+          <ac:spMkLst>
+            <pc:docMk/>
+            <pc:sldMk cId="3594910808" sldId="1437"/>
+            <ac:spMk id="6" creationId="{868FFE0A-6C12-B64E-60EE-542BFCC07B57}"/>
+          </ac:spMkLst>
+        </pc:spChg>
       </pc:sldChg>
     </pc:docChg>
   </pc:docChgLst>
@@ -1047,7 +1324,7 @@
           <a:p>
             <a:fld id="{0EA0314B-5EF7-4069-A62A-97789687DA83}" type="datetimeFigureOut">
               <a:rPr lang="en-US" smtClean="0"/>
-              <a:t>3/8/2024</a:t>
+              <a:t>6/20/2024</a:t>
             </a:fld>
             <a:endParaRPr lang="en-US"/>
           </a:p>
@@ -2366,7 +2643,7 @@
             <a:fld id="{EB093BFD-CE27-42E5-8E44-4833A1C4E27A}" type="datetimeFigureOut">
               <a:rPr lang="en-US" smtClean="0"/>
               <a:pPr/>
-              <a:t>3/8/2024</a:t>
+              <a:t>6/20/2024</a:t>
             </a:fld>
             <a:endParaRPr lang="en-US"/>
           </a:p>
@@ -2531,7 +2808,7 @@
             <a:fld id="{EB093BFD-CE27-42E5-8E44-4833A1C4E27A}" type="datetimeFigureOut">
               <a:rPr lang="en-US" smtClean="0"/>
               <a:pPr/>
-              <a:t>3/8/2024</a:t>
+              <a:t>6/20/2024</a:t>
             </a:fld>
             <a:endParaRPr lang="en-US"/>
           </a:p>
@@ -2706,7 +2983,7 @@
             <a:fld id="{EB093BFD-CE27-42E5-8E44-4833A1C4E27A}" type="datetimeFigureOut">
               <a:rPr lang="en-US" smtClean="0"/>
               <a:pPr/>
-              <a:t>3/8/2024</a:t>
+              <a:t>6/20/2024</a:t>
             </a:fld>
             <a:endParaRPr lang="en-US"/>
           </a:p>
@@ -3098,7 +3375,7 @@
             <a:fld id="{EB093BFD-CE27-42E5-8E44-4833A1C4E27A}" type="datetimeFigureOut">
               <a:rPr lang="en-US" smtClean="0"/>
               <a:pPr/>
-              <a:t>3/8/2024</a:t>
+              <a:t>6/20/2024</a:t>
             </a:fld>
             <a:endParaRPr lang="en-US"/>
           </a:p>
@@ -3340,7 +3617,7 @@
             <a:fld id="{EB093BFD-CE27-42E5-8E44-4833A1C4E27A}" type="datetimeFigureOut">
               <a:rPr lang="en-US" smtClean="0"/>
               <a:pPr/>
-              <a:t>3/8/2024</a:t>
+              <a:t>6/20/2024</a:t>
             </a:fld>
             <a:endParaRPr lang="en-US"/>
           </a:p>
@@ -3622,7 +3899,7 @@
             <a:fld id="{EB093BFD-CE27-42E5-8E44-4833A1C4E27A}" type="datetimeFigureOut">
               <a:rPr lang="en-US" smtClean="0"/>
               <a:pPr/>
-              <a:t>3/8/2024</a:t>
+              <a:t>6/20/2024</a:t>
             </a:fld>
             <a:endParaRPr lang="en-US"/>
           </a:p>
@@ -4038,7 +4315,7 @@
             <a:fld id="{EB093BFD-CE27-42E5-8E44-4833A1C4E27A}" type="datetimeFigureOut">
               <a:rPr lang="en-US" smtClean="0"/>
               <a:pPr/>
-              <a:t>3/8/2024</a:t>
+              <a:t>6/20/2024</a:t>
             </a:fld>
             <a:endParaRPr lang="en-US"/>
           </a:p>
@@ -4152,7 +4429,7 @@
             <a:fld id="{EB093BFD-CE27-42E5-8E44-4833A1C4E27A}" type="datetimeFigureOut">
               <a:rPr lang="en-US" smtClean="0"/>
               <a:pPr/>
-              <a:t>3/8/2024</a:t>
+              <a:t>6/20/2024</a:t>
             </a:fld>
             <a:endParaRPr lang="en-US"/>
           </a:p>
@@ -4244,7 +4521,7 @@
             <a:fld id="{EB093BFD-CE27-42E5-8E44-4833A1C4E27A}" type="datetimeFigureOut">
               <a:rPr lang="en-US" smtClean="0"/>
               <a:pPr/>
-              <a:t>3/8/2024</a:t>
+              <a:t>6/20/2024</a:t>
             </a:fld>
             <a:endParaRPr lang="en-US"/>
           </a:p>
@@ -4516,7 +4793,7 @@
             <a:fld id="{EB093BFD-CE27-42E5-8E44-4833A1C4E27A}" type="datetimeFigureOut">
               <a:rPr lang="en-US" smtClean="0"/>
               <a:pPr/>
-              <a:t>3/8/2024</a:t>
+              <a:t>6/20/2024</a:t>
             </a:fld>
             <a:endParaRPr lang="en-US"/>
           </a:p>
@@ -4765,7 +5042,7 @@
             <a:fld id="{EB093BFD-CE27-42E5-8E44-4833A1C4E27A}" type="datetimeFigureOut">
               <a:rPr lang="en-US" smtClean="0"/>
               <a:pPr/>
-              <a:t>3/8/2024</a:t>
+              <a:t>6/20/2024</a:t>
             </a:fld>
             <a:endParaRPr lang="en-US"/>
           </a:p>
@@ -4973,7 +5250,7 @@
             <a:fld id="{EB093BFD-CE27-42E5-8E44-4833A1C4E27A}" type="datetimeFigureOut">
               <a:rPr lang="en-US" smtClean="0"/>
               <a:pPr/>
-              <a:t>3/8/2024</a:t>
+              <a:t>6/20/2024</a:t>
             </a:fld>
             <a:endParaRPr lang="en-US"/>
           </a:p>
@@ -5545,7 +5822,7 @@
                   </a:outerShdw>
                 </a:effectLst>
               </a:rPr>
-              <a:t>1)  </a:t>
+              <a:t>a)  </a:t>
             </a:r>
             <a:r>
               <a:rPr lang="en-US" sz="2000" b="1" i="1" dirty="0">
@@ -5609,7 +5886,7 @@
                   </a:outerShdw>
                 </a:effectLst>
               </a:rPr>
-              <a:t>2)  </a:t>
+              <a:t>b)  </a:t>
             </a:r>
             <a:r>
               <a:rPr lang="en-US" sz="2000" b="1" i="1" dirty="0">
@@ -5673,7 +5950,7 @@
                   </a:outerShdw>
                 </a:effectLst>
               </a:rPr>
-              <a:t>3)  </a:t>
+              <a:t>c)  </a:t>
             </a:r>
             <a:r>
               <a:rPr lang="en-US" sz="2000" b="1" dirty="0">
@@ -5723,7 +6000,7 @@
                   </a:outerShdw>
                 </a:effectLst>
               </a:rPr>
-              <a:t>4)  </a:t>
+              <a:t>d)  </a:t>
             </a:r>
             <a:r>
               <a:rPr lang="en-US" sz="2000" b="1" dirty="0">
@@ -6023,7 +6300,7 @@
           <p:spPr bwMode="auto">
             <a:xfrm>
               <a:off x="4233" y="1186"/>
-              <a:ext cx="403" cy="323"/>
+              <a:ext cx="398" cy="262"/>
             </a:xfrm>
             <a:prstGeom prst="rect">
               <a:avLst/>
@@ -6049,7 +6326,7 @@
                 </a:lnSpc>
               </a:pPr>
               <a:r>
-                <a:rPr lang="en-US" b="1">
+                <a:rPr lang="en-US" b="1" dirty="0">
                   <a:solidFill>
                     <a:srgbClr val="FC0128"/>
                   </a:solidFill>
@@ -6058,7 +6335,7 @@
                 <a:t>+</a:t>
               </a:r>
               <a:r>
-                <a:rPr lang="en-US" b="1" i="1">
+                <a:rPr lang="en-US" b="1" i="1" dirty="0">
                   <a:solidFill>
                     <a:srgbClr val="FC0128"/>
                   </a:solidFill>
@@ -6066,7 +6343,16 @@
                 </a:rPr>
                 <a:t>Q</a:t>
               </a:r>
-              <a:endParaRPr lang="en-US" i="1">
+              <a:r>
+                <a:rPr lang="en-US" i="1" baseline="-25000" dirty="0">
+                  <a:solidFill>
+                    <a:srgbClr val="FC0128"/>
+                  </a:solidFill>
+                  <a:latin typeface="Arial Black" pitchFamily="34" charset="0"/>
+                </a:rPr>
+                <a:t>2</a:t>
+              </a:r>
+              <a:endParaRPr lang="en-US" i="1" baseline="-25000" dirty="0">
                 <a:solidFill>
                   <a:srgbClr val="00DFCA"/>
                 </a:solidFill>
@@ -6086,7 +6372,7 @@
           <p:spPr bwMode="auto">
             <a:xfrm>
               <a:off x="4623" y="1181"/>
-              <a:ext cx="372" cy="323"/>
+              <a:ext cx="375" cy="262"/>
             </a:xfrm>
             <a:prstGeom prst="rect">
               <a:avLst/>
@@ -6112,7 +6398,7 @@
                 </a:lnSpc>
               </a:pPr>
               <a:r>
-                <a:rPr lang="en-US" b="1">
+                <a:rPr lang="en-US" b="1" dirty="0">
                   <a:solidFill>
                     <a:srgbClr val="000099"/>
                   </a:solidFill>
@@ -6121,7 +6407,7 @@
                 <a:t>–</a:t>
               </a:r>
               <a:r>
-                <a:rPr lang="en-US" b="1" i="1">
+                <a:rPr lang="en-US" b="1" i="1" dirty="0">
                   <a:solidFill>
                     <a:srgbClr val="000099"/>
                   </a:solidFill>
@@ -6129,7 +6415,16 @@
                 </a:rPr>
                 <a:t>Q</a:t>
               </a:r>
-              <a:endParaRPr lang="en-US" i="1">
+              <a:r>
+                <a:rPr lang="en-US" b="1" i="1" baseline="-25000" dirty="0">
+                  <a:solidFill>
+                    <a:srgbClr val="000099"/>
+                  </a:solidFill>
+                  <a:latin typeface="Arial Black" pitchFamily="34" charset="0"/>
+                </a:rPr>
+                <a:t>2</a:t>
+              </a:r>
+              <a:endParaRPr lang="en-US" i="1" baseline="-25000" dirty="0">
                 <a:solidFill>
                   <a:srgbClr val="00DFCA"/>
                 </a:solidFill>
@@ -6409,7 +6704,7 @@
           <p:spPr bwMode="auto">
             <a:xfrm>
               <a:off x="4233" y="1186"/>
-              <a:ext cx="403" cy="323"/>
+              <a:ext cx="398" cy="262"/>
             </a:xfrm>
             <a:prstGeom prst="rect">
               <a:avLst/>
@@ -6435,7 +6730,7 @@
                 </a:lnSpc>
               </a:pPr>
               <a:r>
-                <a:rPr lang="en-US" b="1">
+                <a:rPr lang="en-US" b="1" dirty="0">
                   <a:solidFill>
                     <a:srgbClr val="FC0128"/>
                   </a:solidFill>
@@ -6444,7 +6739,7 @@
                 <a:t>+</a:t>
               </a:r>
               <a:r>
-                <a:rPr lang="en-US" b="1" i="1">
+                <a:rPr lang="en-US" b="1" i="1" dirty="0">
                   <a:solidFill>
                     <a:srgbClr val="FC0128"/>
                   </a:solidFill>
@@ -6452,7 +6747,16 @@
                 </a:rPr>
                 <a:t>Q</a:t>
               </a:r>
-              <a:endParaRPr lang="en-US" i="1">
+              <a:r>
+                <a:rPr lang="en-US" b="1" i="1" baseline="-25000" dirty="0">
+                  <a:solidFill>
+                    <a:srgbClr val="FC0128"/>
+                  </a:solidFill>
+                  <a:latin typeface="Arial Black" pitchFamily="34" charset="0"/>
+                </a:rPr>
+                <a:t>1</a:t>
+              </a:r>
+              <a:endParaRPr lang="en-US" i="1" baseline="-25000" dirty="0">
                 <a:solidFill>
                   <a:srgbClr val="00DFCA"/>
                 </a:solidFill>
@@ -6472,7 +6776,7 @@
           <p:spPr bwMode="auto">
             <a:xfrm>
               <a:off x="4623" y="1181"/>
-              <a:ext cx="372" cy="323"/>
+              <a:ext cx="375" cy="262"/>
             </a:xfrm>
             <a:prstGeom prst="rect">
               <a:avLst/>
@@ -6498,7 +6802,7 @@
                 </a:lnSpc>
               </a:pPr>
               <a:r>
-                <a:rPr lang="en-US" b="1">
+                <a:rPr lang="en-US" b="1" dirty="0">
                   <a:solidFill>
                     <a:srgbClr val="000099"/>
                   </a:solidFill>
@@ -6507,7 +6811,7 @@
                 <a:t>–</a:t>
               </a:r>
               <a:r>
-                <a:rPr lang="en-US" b="1" i="1">
+                <a:rPr lang="en-US" b="1" i="1" dirty="0">
                   <a:solidFill>
                     <a:srgbClr val="000099"/>
                   </a:solidFill>
@@ -6515,7 +6819,16 @@
                 </a:rPr>
                 <a:t>Q</a:t>
               </a:r>
-              <a:endParaRPr lang="en-US" i="1">
+              <a:r>
+                <a:rPr lang="en-US" b="1" i="1" baseline="-25000" dirty="0">
+                  <a:solidFill>
+                    <a:srgbClr val="000099"/>
+                  </a:solidFill>
+                  <a:latin typeface="Arial Black" pitchFamily="34" charset="0"/>
+                </a:rPr>
+                <a:t>1</a:t>
+              </a:r>
+              <a:endParaRPr lang="en-US" i="1" baseline="-25000" dirty="0">
                 <a:solidFill>
                   <a:srgbClr val="00DFCA"/>
                 </a:solidFill>
@@ -7299,10 +7612,16 @@
           <p:cNvGraphicFramePr>
             <a:graphicFrameLocks/>
           </p:cNvGraphicFramePr>
-          <p:nvPr/>
+          <p:nvPr>
+            <p:extLst>
+              <p:ext uri="{D42A27DB-BD31-4B8C-83A1-F6EECF244321}">
+                <p14:modId xmlns:p14="http://schemas.microsoft.com/office/powerpoint/2010/main" val="1469700421"/>
+              </p:ext>
+            </p:extLst>
+          </p:nvPr>
         </p:nvGraphicFramePr>
         <p:xfrm>
-          <a:off x="466725" y="4041775"/>
+          <a:off x="3846512" y="3549649"/>
           <a:ext cx="1019175" cy="566738"/>
         </p:xfrm>
         <a:graphic>
@@ -7339,7 +7658,7 @@
                     </p:blipFill>
                     <p:spPr bwMode="auto">
                       <a:xfrm>
-                        <a:off x="466725" y="4041775"/>
+                        <a:off x="3846512" y="3549649"/>
                         <a:ext cx="1019175" cy="566738"/>
                       </a:xfrm>
                       <a:prstGeom prst="rect">
@@ -7452,84 +7771,62 @@
               <a:buNone/>
             </a:pPr>
             <a:r>
-              <a:rPr lang="en-US" b="1">
+              <a:rPr lang="en-US" b="1" dirty="0">
                 <a:effectLst>
                   <a:outerShdw blurRad="38100" dist="38100" dir="2700000" algn="tl">
                     <a:srgbClr val="000000"/>
                   </a:outerShdw>
                 </a:effectLst>
               </a:rPr>
-              <a:t>	A parallel-plate capacitor initially has a voltage of </a:t>
-            </a:r>
-            <a:r>
-              <a:rPr lang="en-US" b="1">
+              <a:t>	</a:t>
+            </a:r>
+            <a:r>
+              <a:rPr lang="en-US" dirty="0"/>
+              <a:t> A parallel-plate capacitor has an initial voltage of </a:t>
+            </a:r>
+            <a:r>
+              <a:rPr lang="en-US" dirty="0">
                 <a:solidFill>
                   <a:schemeClr val="tx2"/>
                 </a:solidFill>
-                <a:effectLst>
-                  <a:outerShdw blurRad="38100" dist="38100" dir="2700000" algn="tl">
-                    <a:srgbClr val="000000"/>
-                  </a:outerShdw>
-                </a:effectLst>
               </a:rPr>
               <a:t>400 V</a:t>
             </a:r>
             <a:r>
-              <a:rPr lang="en-US" b="1">
-                <a:effectLst>
-                  <a:outerShdw blurRad="38100" dist="38100" dir="2700000" algn="tl">
-                    <a:srgbClr val="000000"/>
-                  </a:outerShdw>
-                </a:effectLst>
-              </a:rPr>
+              <a:rPr lang="en-US" dirty="0"/>
               <a:t> and </a:t>
             </a:r>
             <a:r>
-              <a:rPr lang="en-US" b="1" i="1">
+              <a:rPr lang="en-US" i="1" dirty="0">
                 <a:solidFill>
-                  <a:schemeClr val="accent2"/>
+                  <a:srgbClr val="FF0000"/>
                 </a:solidFill>
-                <a:effectLst>
-                  <a:outerShdw blurRad="38100" dist="38100" dir="2700000" algn="tl">
-                    <a:srgbClr val="000000"/>
-                  </a:outerShdw>
-                </a:effectLst>
               </a:rPr>
               <a:t>stays connected to the battery</a:t>
             </a:r>
             <a:r>
-              <a:rPr lang="en-US" b="1">
-                <a:effectLst>
-                  <a:outerShdw blurRad="38100" dist="38100" dir="2700000" algn="tl">
-                    <a:srgbClr val="000000"/>
-                  </a:outerShdw>
-                </a:effectLst>
-              </a:rPr>
-              <a:t>.  If the plate spacing is now </a:t>
-            </a:r>
-            <a:r>
-              <a:rPr lang="en-US" b="1">
+              <a:rPr lang="en-US" dirty="0"/>
+              <a:t>.  If the plate spacing is then </a:t>
+            </a:r>
+            <a:r>
+              <a:rPr lang="en-US" dirty="0">
                 <a:solidFill>
                   <a:schemeClr val="tx2"/>
                 </a:solidFill>
-                <a:effectLst>
-                  <a:outerShdw blurRad="38100" dist="38100" dir="2700000" algn="tl">
-                    <a:srgbClr val="000000"/>
-                  </a:outerShdw>
-                </a:effectLst>
               </a:rPr>
               <a:t>doubled,</a:t>
             </a:r>
             <a:r>
-              <a:rPr lang="en-US" b="1">
-                <a:effectLst>
-                  <a:outerShdw blurRad="38100" dist="38100" dir="2700000" algn="tl">
-                    <a:srgbClr val="000000"/>
-                  </a:outerShdw>
-                </a:effectLst>
-              </a:rPr>
+              <a:rPr lang="en-US" dirty="0"/>
               <a:t> what happens?</a:t>
             </a:r>
+            <a:endParaRPr lang="en-US" b="1" dirty="0">
+              <a:effectLst>
+                <a:outerShdw blurRad="38100" dist="38100" dir="2700000" algn="tl">
+                  <a:srgbClr val="000000"/>
+                </a:outerShdw>
+              </a:effectLst>
+            </a:endParaRPr>
           </a:p>
         </p:txBody>
       </p:sp>
@@ -7570,31 +7867,13 @@
               </a:lnSpc>
             </a:pPr>
             <a:r>
-              <a:rPr lang="en-US" sz="2000" b="1">
+              <a:rPr lang="en-US" sz="2000" b="1" dirty="0">
                 <a:solidFill>
                   <a:schemeClr val="tx2"/>
                 </a:solidFill>
               </a:rPr>
-              <a:t>1) </a:t>
-            </a:r>
-            <a:r>
-              <a:rPr lang="en-US" sz="2000" b="1">
-                <a:solidFill>
-                  <a:schemeClr val="tx2"/>
-                </a:solidFill>
-                <a:effectLst>
-                  <a:outerShdw blurRad="38100" dist="38100" dir="2700000" algn="tl">
-                    <a:srgbClr val="000000"/>
-                  </a:outerShdw>
-                </a:effectLst>
-              </a:rPr>
-              <a:t>the voltage decreases</a:t>
-            </a:r>
-            <a:endParaRPr lang="en-US" sz="2000" b="1">
-              <a:solidFill>
-                <a:schemeClr val="tx2"/>
-              </a:solidFill>
-            </a:endParaRPr>
+              <a:t>a) the voltage decreases</a:t>
+            </a:r>
           </a:p>
           <a:p>
             <a:pPr>
@@ -7603,27 +7882,14 @@
               </a:lnSpc>
             </a:pPr>
             <a:r>
-              <a:rPr lang="en-US" sz="2000" b="1">
+              <a:rPr lang="en-US" sz="2000" b="1" dirty="0">
                 <a:solidFill>
                   <a:schemeClr val="tx2"/>
                 </a:solidFill>
               </a:rPr>
-              <a:t>2) </a:t>
-            </a:r>
-            <a:r>
-              <a:rPr lang="en-US" sz="2000" b="1">
-                <a:solidFill>
-                  <a:schemeClr val="tx2"/>
-                </a:solidFill>
-                <a:effectLst>
-                  <a:outerShdw blurRad="38100" dist="38100" dir="2700000" algn="tl">
-                    <a:srgbClr val="000000"/>
-                  </a:outerShdw>
-                </a:effectLst>
-              </a:rPr>
-              <a:t>the voltage increases</a:t>
-            </a:r>
-            <a:endParaRPr lang="en-US" sz="2000" b="1">
+              <a:t>b) the voltage increases</a:t>
+            </a:r>
+            <a:endParaRPr lang="en-US" sz="2000" b="1" dirty="0">
               <a:solidFill>
                 <a:schemeClr val="tx2"/>
               </a:solidFill>
@@ -7637,28 +7903,23 @@
               </a:lnSpc>
             </a:pPr>
             <a:r>
-              <a:rPr lang="en-US" sz="2000" b="1">
+              <a:rPr lang="en-US" sz="2000" b="1" dirty="0">
                 <a:solidFill>
                   <a:schemeClr val="tx2"/>
                 </a:solidFill>
                 <a:sym typeface="Symbol" pitchFamily="18" charset="2"/>
               </a:rPr>
-              <a:t>3) </a:t>
-            </a:r>
-            <a:r>
-              <a:rPr lang="en-US" sz="2000" b="1">
+              <a:t>c) </a:t>
+            </a:r>
+            <a:r>
+              <a:rPr lang="en-US" sz="2000" b="1" dirty="0">
                 <a:solidFill>
                   <a:schemeClr val="tx2"/>
                 </a:solidFill>
-                <a:effectLst>
-                  <a:outerShdw blurRad="38100" dist="38100" dir="2700000" algn="tl">
-                    <a:srgbClr val="000000"/>
-                  </a:outerShdw>
-                </a:effectLst>
               </a:rPr>
               <a:t>the charge decreases</a:t>
             </a:r>
-            <a:endParaRPr lang="en-US" sz="2000" b="1">
+            <a:endParaRPr lang="en-US" sz="2000" b="1" dirty="0">
               <a:solidFill>
                 <a:schemeClr val="tx2"/>
               </a:solidFill>
@@ -7672,28 +7933,23 @@
               </a:lnSpc>
             </a:pPr>
             <a:r>
-              <a:rPr lang="en-US" sz="2000" b="1">
+              <a:rPr lang="en-US" sz="2000" b="1" dirty="0">
                 <a:solidFill>
                   <a:schemeClr val="tx2"/>
                 </a:solidFill>
                 <a:sym typeface="Symbol" pitchFamily="18" charset="2"/>
               </a:rPr>
-              <a:t>4) </a:t>
-            </a:r>
-            <a:r>
-              <a:rPr lang="en-US" sz="2000" b="1">
+              <a:t>d) </a:t>
+            </a:r>
+            <a:r>
+              <a:rPr lang="en-US" sz="2000" b="1" dirty="0">
                 <a:solidFill>
                   <a:schemeClr val="tx2"/>
                 </a:solidFill>
-                <a:effectLst>
-                  <a:outerShdw blurRad="38100" dist="38100" dir="2700000" algn="tl">
-                    <a:srgbClr val="000000"/>
-                  </a:outerShdw>
-                </a:effectLst>
               </a:rPr>
               <a:t>the charge increases</a:t>
             </a:r>
-            <a:endParaRPr lang="en-US" sz="2000" b="1">
+            <a:endParaRPr lang="en-US" sz="2000" b="1" dirty="0">
               <a:solidFill>
                 <a:schemeClr val="tx2"/>
               </a:solidFill>
@@ -7707,27 +7963,13 @@
               </a:lnSpc>
             </a:pPr>
             <a:r>
-              <a:rPr lang="en-US" sz="2000" b="1">
+              <a:rPr lang="en-US" sz="2000" b="1" dirty="0">
                 <a:solidFill>
                   <a:schemeClr val="tx2"/>
                 </a:solidFill>
                 <a:sym typeface="Symbol" pitchFamily="18" charset="2"/>
               </a:rPr>
-              <a:t>5) </a:t>
-            </a:r>
-            <a:r>
-              <a:rPr lang="en-US" sz="2000" b="1">
-                <a:solidFill>
-                  <a:schemeClr val="tx2"/>
-                </a:solidFill>
-                <a:effectLst>
-                  <a:outerShdw blurRad="38100" dist="38100" dir="2700000" algn="tl">
-                    <a:srgbClr val="000000"/>
-                  </a:outerShdw>
-                </a:effectLst>
-                <a:sym typeface="Symbol" pitchFamily="18" charset="2"/>
-              </a:rPr>
-              <a:t>both voltage and charge change</a:t>
+              <a:t>e) both voltage and charge change</a:t>
             </a:r>
           </a:p>
         </p:txBody>
@@ -7927,10 +8169,14 @@
             </a:pPr>
             <a:r>
               <a:rPr lang="en-US" b="1" dirty="0"/>
-              <a:t>	A parallel-plate capacitor initially has a potential difference of </a:t>
-            </a:r>
-            <a:r>
-              <a:rPr lang="en-US" b="1" dirty="0">
+              <a:t>	</a:t>
+            </a:r>
+            <a:r>
+              <a:rPr lang="en-US" dirty="0"/>
+              <a:t>A parallel-plate capacitor has an initial  potential difference of </a:t>
+            </a:r>
+            <a:r>
+              <a:rPr lang="en-US" dirty="0">
                 <a:solidFill>
                   <a:schemeClr val="tx2"/>
                 </a:solidFill>
@@ -7938,11 +8184,23 @@
               <a:t>400 V</a:t>
             </a:r>
             <a:r>
-              <a:rPr lang="en-US" b="1" dirty="0"/>
-              <a:t> and is then disconnected from the charging battery.  If the plate spacing is now </a:t>
-            </a:r>
-            <a:r>
-              <a:rPr lang="en-US" b="1" dirty="0">
+              <a:rPr lang="en-US" dirty="0"/>
+              <a:t> </a:t>
+            </a:r>
+            <a:r>
+              <a:rPr lang="en-US" dirty="0">
+                <a:solidFill>
+                  <a:srgbClr val="FF0000"/>
+                </a:solidFill>
+              </a:rPr>
+              <a:t>and is then disconnected from the charging battery.</a:t>
+            </a:r>
+            <a:r>
+              <a:rPr lang="en-US" dirty="0"/>
+              <a:t>  If the plate spacing is then </a:t>
+            </a:r>
+            <a:r>
+              <a:rPr lang="en-US" dirty="0">
                 <a:solidFill>
                   <a:schemeClr val="tx2"/>
                 </a:solidFill>
@@ -7950,15 +8208,15 @@
               <a:t>doubled</a:t>
             </a:r>
             <a:r>
-              <a:rPr lang="en-US" b="1" dirty="0"/>
+              <a:rPr lang="en-US" dirty="0"/>
               <a:t> (without changing </a:t>
             </a:r>
             <a:r>
-              <a:rPr lang="en-US" b="1" i="1" dirty="0"/>
+              <a:rPr lang="en-US" i="1" dirty="0"/>
               <a:t>Q</a:t>
             </a:r>
             <a:r>
-              <a:rPr lang="en-US" b="1" dirty="0"/>
+              <a:rPr lang="en-US" dirty="0"/>
               <a:t>), what is the new value of the voltage?</a:t>
             </a:r>
           </a:p>
@@ -8006,7 +8264,7 @@
                   <a:schemeClr val="tx2"/>
                 </a:solidFill>
               </a:rPr>
-              <a:t>1)  100 V</a:t>
+              <a:t>a)  100 V</a:t>
             </a:r>
             <a:r>
               <a:rPr lang="en-US" sz="2000" b="1" dirty="0">
@@ -8035,7 +8293,7 @@
                   <a:schemeClr val="tx2"/>
                 </a:solidFill>
               </a:rPr>
-              <a:t>2)  200 V</a:t>
+              <a:t>b)  200 V</a:t>
             </a:r>
             <a:endParaRPr lang="en-US" sz="2000" b="1" dirty="0">
               <a:solidFill>
@@ -8057,7 +8315,7 @@
                 </a:solidFill>
                 <a:sym typeface="Symbol" pitchFamily="18" charset="2"/>
               </a:rPr>
-              <a:t>3)  400 V</a:t>
+              <a:t>c)  400 V</a:t>
             </a:r>
           </a:p>
           <a:p>
@@ -8073,7 +8331,7 @@
                 </a:solidFill>
                 <a:sym typeface="Symbol" pitchFamily="18" charset="2"/>
               </a:rPr>
-              <a:t>4)  800 V</a:t>
+              <a:t>d)  800 V</a:t>
             </a:r>
           </a:p>
           <a:p>
@@ -8089,7 +8347,7 @@
                 </a:solidFill>
                 <a:sym typeface="Symbol" pitchFamily="18" charset="2"/>
               </a:rPr>
-              <a:t>5)  1600 V</a:t>
+              <a:t>e)  1600 V</a:t>
             </a:r>
             <a:endParaRPr lang="en-US" sz="2000" b="1" dirty="0">
               <a:solidFill>
@@ -8858,10 +9116,14 @@
             </a:pPr>
             <a:r>
               <a:rPr lang="en-US" b="1" dirty="0"/>
-              <a:t>	A parallel-plate capacitor initially has a potential difference of </a:t>
-            </a:r>
-            <a:r>
-              <a:rPr lang="en-US" b="1" dirty="0">
+              <a:t>	</a:t>
+            </a:r>
+            <a:r>
+              <a:rPr lang="en-US" dirty="0"/>
+              <a:t> A parallel-plate capacitor has an initial  potential difference of </a:t>
+            </a:r>
+            <a:r>
+              <a:rPr lang="en-US" dirty="0">
                 <a:solidFill>
                   <a:schemeClr val="tx2"/>
                 </a:solidFill>
@@ -8869,11 +9131,23 @@
               <a:t>400 V</a:t>
             </a:r>
             <a:r>
-              <a:rPr lang="en-US" b="1" dirty="0"/>
-              <a:t> and is then disconnected from the charging battery.  If the plate spacing is now </a:t>
-            </a:r>
-            <a:r>
-              <a:rPr lang="en-US" b="1" dirty="0">
+              <a:rPr lang="en-US" dirty="0"/>
+              <a:t> </a:t>
+            </a:r>
+            <a:r>
+              <a:rPr lang="en-US" dirty="0">
+                <a:solidFill>
+                  <a:srgbClr val="FF0000"/>
+                </a:solidFill>
+              </a:rPr>
+              <a:t>and is then disconnected from the charging battery.</a:t>
+            </a:r>
+            <a:r>
+              <a:rPr lang="en-US" dirty="0"/>
+              <a:t>  If the plate spacing is then </a:t>
+            </a:r>
+            <a:r>
+              <a:rPr lang="en-US" dirty="0">
                 <a:solidFill>
                   <a:schemeClr val="tx2"/>
                 </a:solidFill>
@@ -8881,17 +9155,18 @@
               <a:t>doubled</a:t>
             </a:r>
             <a:r>
-              <a:rPr lang="en-US" b="1" dirty="0"/>
+              <a:rPr lang="en-US" dirty="0"/>
               <a:t> (without changing </a:t>
             </a:r>
             <a:r>
-              <a:rPr lang="en-US" b="1" i="1" dirty="0"/>
+              <a:rPr lang="en-US" i="1" dirty="0"/>
               <a:t>Q</a:t>
             </a:r>
             <a:r>
-              <a:rPr lang="en-US" b="1" dirty="0"/>
+              <a:rPr lang="en-US" dirty="0"/>
               <a:t>), what is the new value of the voltage?</a:t>
             </a:r>
+            <a:endParaRPr lang="en-US" b="1" dirty="0"/>
           </a:p>
         </p:txBody>
       </p:sp>
@@ -8937,7 +9212,7 @@
                   <a:schemeClr val="tx2"/>
                 </a:solidFill>
               </a:rPr>
-              <a:t>1)  100 V</a:t>
+              <a:t>a)  100 V</a:t>
             </a:r>
             <a:r>
               <a:rPr lang="en-US" sz="2000" b="1" dirty="0">
@@ -8966,7 +9241,7 @@
                   <a:schemeClr val="tx2"/>
                 </a:solidFill>
               </a:rPr>
-              <a:t>2)  200 V</a:t>
+              <a:t>b)  200 V</a:t>
             </a:r>
             <a:endParaRPr lang="en-US" sz="2000" b="1" dirty="0">
               <a:solidFill>
@@ -8988,7 +9263,7 @@
                 </a:solidFill>
                 <a:sym typeface="Symbol" pitchFamily="18" charset="2"/>
               </a:rPr>
-              <a:t>3)  400 V</a:t>
+              <a:t>c)  400 V</a:t>
             </a:r>
           </a:p>
           <a:p>
@@ -9004,7 +9279,7 @@
                 </a:solidFill>
                 <a:sym typeface="Symbol" pitchFamily="18" charset="2"/>
               </a:rPr>
-              <a:t>4)  800 V</a:t>
+              <a:t>d)  800 V</a:t>
             </a:r>
           </a:p>
           <a:p>
@@ -9020,7 +9295,7 @@
                 </a:solidFill>
                 <a:sym typeface="Symbol" pitchFamily="18" charset="2"/>
               </a:rPr>
-              <a:t>5)  1600 V</a:t>
+              <a:t>e)  1600 V</a:t>
             </a:r>
             <a:endParaRPr lang="en-US" sz="2000" b="1" dirty="0">
               <a:solidFill>
@@ -9422,10 +9697,16 @@
           <p:cNvGraphicFramePr>
             <a:graphicFrameLocks/>
           </p:cNvGraphicFramePr>
-          <p:nvPr/>
+          <p:nvPr>
+            <p:extLst>
+              <p:ext uri="{D42A27DB-BD31-4B8C-83A1-F6EECF244321}">
+                <p14:modId xmlns:p14="http://schemas.microsoft.com/office/powerpoint/2010/main" val="2603910094"/>
+              </p:ext>
+            </p:extLst>
+          </p:nvPr>
         </p:nvGraphicFramePr>
         <p:xfrm>
-          <a:off x="280988" y="4727575"/>
+          <a:off x="3405981" y="4313282"/>
           <a:ext cx="1019175" cy="566738"/>
         </p:xfrm>
         <a:graphic>
@@ -9462,7 +9743,7 @@
                     </p:blipFill>
                     <p:spPr bwMode="auto">
                       <a:xfrm>
-                        <a:off x="280988" y="4727575"/>
+                        <a:off x="3405981" y="4313282"/>
                         <a:ext cx="1019175" cy="566738"/>
                       </a:xfrm>
                       <a:prstGeom prst="rect">
@@ -10031,8 +10312,8 @@
           </a:p>
         </p:txBody>
       </p:sp>
-      <mc:AlternateContent xmlns:mc="http://schemas.openxmlformats.org/markup-compatibility/2006">
-        <mc:Choice xmlns:a14="http://schemas.microsoft.com/office/drawing/2010/main" Requires="a14">
+      <mc:AlternateContent xmlns:mc="http://schemas.openxmlformats.org/markup-compatibility/2006" xmlns:a14="http://schemas.microsoft.com/office/drawing/2010/main">
+        <mc:Choice Requires="a14">
           <p:sp>
             <p:nvSpPr>
               <p:cNvPr id="2" name="TextBox 1">
@@ -10061,6 +10342,7 @@
               </a:bodyPr>
               <a:lstStyle/>
               <a:p>
+                <a:pPr/>
                 <a14:m>
                   <m:oMathPara xmlns:m="http://schemas.openxmlformats.org/officeDocument/2006/math">
                     <m:oMathParaPr>
@@ -10233,7 +10515,7 @@
             </p:txBody>
           </p:sp>
         </mc:Choice>
-        <mc:Fallback>
+        <mc:Fallback xmlns="">
           <p:sp>
             <p:nvSpPr>
               <p:cNvPr id="2" name="TextBox 1">
@@ -15137,8 +15419,8 @@
           </a:p>
         </p:txBody>
       </p:sp>
-      <mc:AlternateContent xmlns:mc="http://schemas.openxmlformats.org/markup-compatibility/2006" xmlns:a14="http://schemas.microsoft.com/office/drawing/2010/main">
-        <mc:Choice Requires="a14">
+      <mc:AlternateContent xmlns:mc="http://schemas.openxmlformats.org/markup-compatibility/2006">
+        <mc:Choice xmlns:a14="http://schemas.microsoft.com/office/drawing/2010/main" Requires="a14">
           <p:sp>
             <p:nvSpPr>
               <p:cNvPr id="6" name="Content Placeholder 5">
@@ -15163,7 +15445,7 @@
             </p:spPr>
             <p:txBody>
               <a:bodyPr>
-                <a:normAutofit fontScale="92500" lnSpcReduction="10000"/>
+                <a:normAutofit fontScale="92500" lnSpcReduction="20000"/>
               </a:bodyPr>
               <a:lstStyle/>
               <a:p>
@@ -15207,61 +15489,11 @@
                   <a:buAutoNum type="alphaLcParenR"/>
                 </a:pPr>
                 <a:r>
-                  <a:rPr lang="en-US" dirty="0"/>
+                  <a:rPr lang="en-US"/>
                   <a:t> </a:t>
                 </a:r>
                 <a14:m>
                   <m:oMath xmlns:m="http://schemas.openxmlformats.org/officeDocument/2006/math">
-                    <m:f>
-                      <m:fPr>
-                        <m:ctrlPr>
-                          <a:rPr lang="en-US" i="1" smtClean="0">
-                            <a:latin typeface="Cambria Math" panose="02040503050406030204" pitchFamily="18" charset="0"/>
-                          </a:rPr>
-                        </m:ctrlPr>
-                      </m:fPr>
-                      <m:num>
-                        <m:r>
-                          <a:rPr lang="en-US" b="0" i="1" smtClean="0">
-                            <a:latin typeface="Cambria Math" panose="02040503050406030204" pitchFamily="18" charset="0"/>
-                          </a:rPr>
-                          <m:t>1</m:t>
-                        </m:r>
-                      </m:num>
-                      <m:den>
-                        <m:sSub>
-                          <m:sSubPr>
-                            <m:ctrlPr>
-                              <a:rPr lang="en-US" i="1" smtClean="0">
-                                <a:latin typeface="Cambria Math" panose="02040503050406030204" pitchFamily="18" charset="0"/>
-                              </a:rPr>
-                            </m:ctrlPr>
-                          </m:sSubPr>
-                          <m:e>
-                            <m:r>
-                              <a:rPr lang="en-US" b="0" i="1" smtClean="0">
-                                <a:latin typeface="Cambria Math" panose="02040503050406030204" pitchFamily="18" charset="0"/>
-                              </a:rPr>
-                              <m:t>𝐶</m:t>
-                            </m:r>
-                          </m:e>
-                          <m:sub>
-                            <m:r>
-                              <a:rPr lang="en-US" b="0" i="1" smtClean="0">
-                                <a:latin typeface="Cambria Math" panose="02040503050406030204" pitchFamily="18" charset="0"/>
-                              </a:rPr>
-                              <m:t>1</m:t>
-                            </m:r>
-                          </m:sub>
-                        </m:sSub>
-                      </m:den>
-                    </m:f>
-                    <m:r>
-                      <a:rPr lang="en-US" b="0" i="0" smtClean="0">
-                        <a:latin typeface="Cambria Math" panose="02040503050406030204" pitchFamily="18" charset="0"/>
-                      </a:rPr>
-                      <m:t>+</m:t>
-                    </m:r>
                     <m:f>
                       <m:fPr>
                         <m:ctrlPr>
@@ -15271,12 +15503,56 @@
                         </m:ctrlPr>
                       </m:fPr>
                       <m:num>
-                        <m:r>
-                          <a:rPr lang="en-US" b="0" i="1" smtClean="0">
-                            <a:latin typeface="Cambria Math" panose="02040503050406030204" pitchFamily="18" charset="0"/>
-                          </a:rPr>
-                          <m:t>1</m:t>
-                        </m:r>
+                        <m:sSub>
+                          <m:sSubPr>
+                            <m:ctrlPr>
+                              <a:rPr lang="en-US" i="1">
+                                <a:latin typeface="Cambria Math" panose="02040503050406030204" pitchFamily="18" charset="0"/>
+                              </a:rPr>
+                            </m:ctrlPr>
+                          </m:sSubPr>
+                          <m:e>
+                            <m:r>
+                              <a:rPr lang="en-US" i="1">
+                                <a:latin typeface="Cambria Math" panose="02040503050406030204" pitchFamily="18" charset="0"/>
+                              </a:rPr>
+                              <m:t>𝐶</m:t>
+                            </m:r>
+                          </m:e>
+                          <m:sub>
+                            <m:r>
+                              <a:rPr lang="en-US" i="1">
+                                <a:latin typeface="Cambria Math" panose="02040503050406030204" pitchFamily="18" charset="0"/>
+                              </a:rPr>
+                              <m:t>1</m:t>
+                            </m:r>
+                          </m:sub>
+                        </m:sSub>
+                        <m:sSub>
+                          <m:sSubPr>
+                            <m:ctrlPr>
+                              <a:rPr lang="en-US" i="1">
+                                <a:latin typeface="Cambria Math" panose="02040503050406030204" pitchFamily="18" charset="0"/>
+                              </a:rPr>
+                            </m:ctrlPr>
+                          </m:sSubPr>
+                          <m:e>
+                            <m:r>
+                              <a:rPr lang="en-US" i="1">
+                                <a:latin typeface="Cambria Math" panose="02040503050406030204" pitchFamily="18" charset="0"/>
+                              </a:rPr>
+                              <m:t>𝐶</m:t>
+                            </m:r>
+                          </m:e>
+                          <m:sub>
+                            <m:r>
+                              <a:rPr lang="en-US" i="1">
+                                <a:latin typeface="Cambria Math" panose="02040503050406030204" pitchFamily="18" charset="0"/>
+                              </a:rPr>
+                              <m:t>2</m:t>
+                            </m:r>
+                          </m:sub>
+                        </m:sSub>
                       </m:num>
                       <m:den>
                         <m:sSub>
@@ -15289,7 +15565,7 @@
                           </m:sSubPr>
                           <m:e>
                             <m:r>
-                              <a:rPr lang="en-US" b="0" i="1" smtClean="0">
+                              <a:rPr lang="en-US" i="1">
                                 <a:latin typeface="Cambria Math" panose="02040503050406030204" pitchFamily="18" charset="0"/>
                               </a:rPr>
                               <m:t>𝐶</m:t>
@@ -15297,7 +15573,38 @@
                           </m:e>
                           <m:sub>
                             <m:r>
-                              <a:rPr lang="en-US" b="0" i="1" smtClean="0">
+                              <a:rPr lang="en-US" i="1">
+                                <a:latin typeface="Cambria Math" panose="02040503050406030204" pitchFamily="18" charset="0"/>
+                              </a:rPr>
+                              <m:t>1</m:t>
+                            </m:r>
+                          </m:sub>
+                        </m:sSub>
+                        <m:r>
+                          <a:rPr lang="en-US" i="1">
+                            <a:latin typeface="Cambria Math" panose="02040503050406030204" pitchFamily="18" charset="0"/>
+                          </a:rPr>
+                          <m:t>+</m:t>
+                        </m:r>
+                        <m:sSub>
+                          <m:sSubPr>
+                            <m:ctrlPr>
+                              <a:rPr lang="en-US" i="1">
+                                <a:latin typeface="Cambria Math" panose="02040503050406030204" pitchFamily="18" charset="0"/>
+                              </a:rPr>
+                            </m:ctrlPr>
+                          </m:sSubPr>
+                          <m:e>
+                            <m:r>
+                              <a:rPr lang="en-US" i="1">
+                                <a:latin typeface="Cambria Math" panose="02040503050406030204" pitchFamily="18" charset="0"/>
+                              </a:rPr>
+                              <m:t>𝐶</m:t>
+                            </m:r>
+                          </m:e>
+                          <m:sub>
+                            <m:r>
+                              <a:rPr lang="en-US" i="1">
                                 <a:latin typeface="Cambria Math" panose="02040503050406030204" pitchFamily="18" charset="0"/>
                               </a:rPr>
                               <m:t>2</m:t>
@@ -15502,7 +15809,7 @@
             </p:txBody>
           </p:sp>
         </mc:Choice>
-        <mc:Fallback xmlns="">
+        <mc:Fallback>
           <p:sp>
             <p:nvSpPr>
               <p:cNvPr id="6" name="Content Placeholder 5">
@@ -15527,7 +15834,7 @@
               <a:blipFill>
                 <a:blip r:embed="rId2"/>
                 <a:stretch>
-                  <a:fillRect l="-3556" t="-2618" b="-1309"/>
+                  <a:fillRect l="-3556" t="-3403"/>
                 </a:stretch>
               </a:blipFill>
             </p:spPr>
@@ -16418,8 +16725,8 @@
           </a:p>
         </p:txBody>
       </p:sp>
-      <mc:AlternateContent xmlns:mc="http://schemas.openxmlformats.org/markup-compatibility/2006" xmlns:a14="http://schemas.microsoft.com/office/drawing/2010/main">
-        <mc:Choice Requires="a14">
+      <mc:AlternateContent xmlns:mc="http://schemas.openxmlformats.org/markup-compatibility/2006">
+        <mc:Choice xmlns:a14="http://schemas.microsoft.com/office/drawing/2010/main" Requires="a14">
           <p:sp>
             <p:nvSpPr>
               <p:cNvPr id="6" name="Content Placeholder 5">
@@ -16444,7 +16751,7 @@
             </p:spPr>
             <p:txBody>
               <a:bodyPr>
-                <a:normAutofit fontScale="92500" lnSpcReduction="10000"/>
+                <a:normAutofit fontScale="92500" lnSpcReduction="20000"/>
               </a:bodyPr>
               <a:lstStyle/>
               <a:p>
@@ -16502,12 +16809,56 @@
                         </m:ctrlPr>
                       </m:fPr>
                       <m:num>
-                        <m:r>
-                          <a:rPr lang="en-US" b="0" i="1" smtClean="0">
-                            <a:latin typeface="Cambria Math" panose="02040503050406030204" pitchFamily="18" charset="0"/>
-                          </a:rPr>
-                          <m:t>1</m:t>
-                        </m:r>
+                        <m:sSub>
+                          <m:sSubPr>
+                            <m:ctrlPr>
+                              <a:rPr lang="en-US" i="1">
+                                <a:latin typeface="Cambria Math" panose="02040503050406030204" pitchFamily="18" charset="0"/>
+                              </a:rPr>
+                            </m:ctrlPr>
+                          </m:sSubPr>
+                          <m:e>
+                            <m:r>
+                              <a:rPr lang="en-US" i="1">
+                                <a:latin typeface="Cambria Math" panose="02040503050406030204" pitchFamily="18" charset="0"/>
+                              </a:rPr>
+                              <m:t>𝐶</m:t>
+                            </m:r>
+                          </m:e>
+                          <m:sub>
+                            <m:r>
+                              <a:rPr lang="en-US" i="1">
+                                <a:latin typeface="Cambria Math" panose="02040503050406030204" pitchFamily="18" charset="0"/>
+                              </a:rPr>
+                              <m:t>1</m:t>
+                            </m:r>
+                          </m:sub>
+                        </m:sSub>
+                        <m:sSub>
+                          <m:sSubPr>
+                            <m:ctrlPr>
+                              <a:rPr lang="en-US" i="1">
+                                <a:latin typeface="Cambria Math" panose="02040503050406030204" pitchFamily="18" charset="0"/>
+                              </a:rPr>
+                            </m:ctrlPr>
+                          </m:sSubPr>
+                          <m:e>
+                            <m:r>
+                              <a:rPr lang="en-US" i="1">
+                                <a:latin typeface="Cambria Math" panose="02040503050406030204" pitchFamily="18" charset="0"/>
+                              </a:rPr>
+                              <m:t>𝐶</m:t>
+                            </m:r>
+                          </m:e>
+                          <m:sub>
+                            <m:r>
+                              <a:rPr lang="en-US" i="1">
+                                <a:latin typeface="Cambria Math" panose="02040503050406030204" pitchFamily="18" charset="0"/>
+                              </a:rPr>
+                              <m:t>2</m:t>
+                            </m:r>
+                          </m:sub>
+                        </m:sSub>
                       </m:num>
                       <m:den>
                         <m:sSub>
@@ -16535,31 +16886,12 @@
                             </m:r>
                           </m:sub>
                         </m:sSub>
-                      </m:den>
-                    </m:f>
-                    <m:r>
-                      <a:rPr lang="en-US" b="0" i="0" smtClean="0">
-                        <a:latin typeface="Cambria Math" panose="02040503050406030204" pitchFamily="18" charset="0"/>
-                      </a:rPr>
-                      <m:t>+</m:t>
-                    </m:r>
-                    <m:f>
-                      <m:fPr>
-                        <m:ctrlPr>
-                          <a:rPr lang="en-US" i="1">
-                            <a:latin typeface="Cambria Math" panose="02040503050406030204" pitchFamily="18" charset="0"/>
-                          </a:rPr>
-                        </m:ctrlPr>
-                      </m:fPr>
-                      <m:num>
                         <m:r>
                           <a:rPr lang="en-US" b="0" i="1" smtClean="0">
                             <a:latin typeface="Cambria Math" panose="02040503050406030204" pitchFamily="18" charset="0"/>
                           </a:rPr>
-                          <m:t>1</m:t>
+                          <m:t>+</m:t>
                         </m:r>
-                      </m:num>
-                      <m:den>
                         <m:sSub>
                           <m:sSubPr>
                             <m:ctrlPr>
@@ -16570,7 +16902,7 @@
                           </m:sSubPr>
                           <m:e>
                             <m:r>
-                              <a:rPr lang="en-US" b="0" i="1" smtClean="0">
+                              <a:rPr lang="en-US" i="1">
                                 <a:latin typeface="Cambria Math" panose="02040503050406030204" pitchFamily="18" charset="0"/>
                               </a:rPr>
                               <m:t>𝐶</m:t>
@@ -16578,7 +16910,7 @@
                           </m:e>
                           <m:sub>
                             <m:r>
-                              <a:rPr lang="en-US" b="0" i="1" smtClean="0">
+                              <a:rPr lang="en-US" i="1">
                                 <a:latin typeface="Cambria Math" panose="02040503050406030204" pitchFamily="18" charset="0"/>
                               </a:rPr>
                               <m:t>2</m:t>
@@ -16783,7 +17115,7 @@
             </p:txBody>
           </p:sp>
         </mc:Choice>
-        <mc:Fallback xmlns="">
+        <mc:Fallback>
           <p:sp>
             <p:nvSpPr>
               <p:cNvPr id="6" name="Content Placeholder 5">
@@ -16808,7 +17140,7 @@
               <a:blipFill>
                 <a:blip r:embed="rId2"/>
                 <a:stretch>
-                  <a:fillRect l="-3556" t="-2618" b="-1309"/>
+                  <a:fillRect l="-3556" t="-3403"/>
                 </a:stretch>
               </a:blipFill>
             </p:spPr>
@@ -18248,7 +18580,7 @@
                   </a:outerShdw>
                 </a:effectLst>
               </a:rPr>
-              <a:t>1)  </a:t>
+              <a:t>a)  </a:t>
             </a:r>
             <a:r>
               <a:rPr lang="en-US" sz="2000" b="1" i="1" dirty="0">
@@ -18312,7 +18644,7 @@
                   </a:outerShdw>
                 </a:effectLst>
               </a:rPr>
-              <a:t>2)  </a:t>
+              <a:t>b)  </a:t>
             </a:r>
             <a:r>
               <a:rPr lang="en-US" sz="2000" b="1" i="1" dirty="0">
@@ -18376,7 +18708,7 @@
                   </a:outerShdw>
                 </a:effectLst>
               </a:rPr>
-              <a:t>3)  </a:t>
+              <a:t>c)  </a:t>
             </a:r>
             <a:r>
               <a:rPr lang="en-US" sz="2000" b="1" dirty="0">
@@ -18426,7 +18758,7 @@
                   </a:outerShdw>
                 </a:effectLst>
               </a:rPr>
-              <a:t>4)  </a:t>
+              <a:t>d)  </a:t>
             </a:r>
             <a:r>
               <a:rPr lang="en-US" sz="2000" b="1" dirty="0">
@@ -19794,7 +20126,7 @@
               </a:lnSpc>
             </a:pPr>
             <a:r>
-              <a:rPr lang="en-US" sz="2000" b="1">
+              <a:rPr lang="en-US" sz="2000" b="1" dirty="0">
                 <a:solidFill>
                   <a:schemeClr val="tx2"/>
                 </a:solidFill>
@@ -19804,10 +20136,10 @@
                   </a:outerShdw>
                 </a:effectLst>
               </a:rPr>
-              <a:t>1)  </a:t>
-            </a:r>
-            <a:r>
-              <a:rPr lang="en-US" sz="2000" b="1" i="1">
+              <a:t>a)  </a:t>
+            </a:r>
+            <a:r>
+              <a:rPr lang="en-US" sz="2000" b="1" i="1" dirty="0" err="1">
                 <a:solidFill>
                   <a:schemeClr val="tx2"/>
                 </a:solidFill>
@@ -19820,7 +20152,7 @@
               <a:t>C</a:t>
             </a:r>
             <a:r>
-              <a:rPr lang="en-US" sz="2000" b="1" i="1" baseline="-25000">
+              <a:rPr lang="en-US" sz="2000" b="1" i="1" baseline="-25000" dirty="0" err="1">
                 <a:solidFill>
                   <a:schemeClr val="tx2"/>
                 </a:solidFill>
@@ -19833,7 +20165,7 @@
               <a:t>eq</a:t>
             </a:r>
             <a:r>
-              <a:rPr lang="en-US" sz="2000" b="1" baseline="-25000">
+              <a:rPr lang="en-US" sz="2000" b="1" baseline="-25000" dirty="0">
                 <a:solidFill>
                   <a:schemeClr val="tx2"/>
                 </a:solidFill>
@@ -19846,7 +20178,7 @@
               <a:t>  </a:t>
             </a:r>
             <a:r>
-              <a:rPr lang="en-US" sz="2000" b="1">
+              <a:rPr lang="en-US" sz="2000" b="1" dirty="0">
                 <a:solidFill>
                   <a:schemeClr val="tx2"/>
                 </a:solidFill>
@@ -19859,7 +20191,7 @@
               <a:t>=  3/2 </a:t>
             </a:r>
             <a:r>
-              <a:rPr lang="en-US" sz="2000" b="1" i="1">
+              <a:rPr lang="en-US" sz="2000" b="1" i="1" dirty="0">
                 <a:solidFill>
                   <a:schemeClr val="tx2"/>
                 </a:solidFill>
@@ -19872,7 +20204,7 @@
               <a:t>C</a:t>
             </a:r>
             <a:r>
-              <a:rPr lang="en-US" sz="2000" b="1">
+              <a:rPr lang="en-US" sz="2000" b="1" dirty="0">
                 <a:solidFill>
                   <a:schemeClr val="tx2"/>
                 </a:solidFill>
@@ -19892,7 +20224,7 @@
               </a:lnSpc>
             </a:pPr>
             <a:r>
-              <a:rPr lang="en-US" sz="2000" b="1">
+              <a:rPr lang="en-US" sz="2000" b="1" dirty="0">
                 <a:solidFill>
                   <a:schemeClr val="tx2"/>
                 </a:solidFill>
@@ -19902,10 +20234,10 @@
                   </a:outerShdw>
                 </a:effectLst>
               </a:rPr>
-              <a:t>2)  </a:t>
-            </a:r>
-            <a:r>
-              <a:rPr lang="en-US" sz="2000" b="1" i="1">
+              <a:t>b)  </a:t>
+            </a:r>
+            <a:r>
+              <a:rPr lang="en-US" sz="2000" b="1" i="1" dirty="0" err="1">
                 <a:solidFill>
                   <a:schemeClr val="tx2"/>
                 </a:solidFill>
@@ -19918,7 +20250,7 @@
               <a:t>C</a:t>
             </a:r>
             <a:r>
-              <a:rPr lang="en-US" sz="2000" b="1" i="1" baseline="-25000">
+              <a:rPr lang="en-US" sz="2000" b="1" i="1" baseline="-25000" dirty="0" err="1">
                 <a:solidFill>
                   <a:schemeClr val="tx2"/>
                 </a:solidFill>
@@ -19931,7 +20263,7 @@
               <a:t>eq</a:t>
             </a:r>
             <a:r>
-              <a:rPr lang="en-US" sz="2000" b="1" baseline="-25000">
+              <a:rPr lang="en-US" sz="2000" b="1" baseline="-25000" dirty="0">
                 <a:solidFill>
                   <a:schemeClr val="tx2"/>
                 </a:solidFill>
@@ -19944,7 +20276,7 @@
               <a:t>  </a:t>
             </a:r>
             <a:r>
-              <a:rPr lang="en-US" sz="2000" b="1">
+              <a:rPr lang="en-US" sz="2000" b="1" dirty="0">
                 <a:solidFill>
                   <a:schemeClr val="tx2"/>
                 </a:solidFill>
@@ -19957,7 +20289,7 @@
               <a:t>=  2/3 </a:t>
             </a:r>
             <a:r>
-              <a:rPr lang="en-US" sz="2000" b="1" i="1">
+              <a:rPr lang="en-US" sz="2000" b="1" i="1" dirty="0">
                 <a:solidFill>
                   <a:schemeClr val="tx2"/>
                 </a:solidFill>
@@ -19970,10 +20302,10 @@
               <a:t>C</a:t>
             </a:r>
             <a:r>
-              <a:rPr lang="en-US" sz="2000" b="1"/>
+              <a:rPr lang="en-US" sz="2000" b="1" dirty="0"/>
               <a:t> </a:t>
             </a:r>
-            <a:endParaRPr lang="en-US" sz="2000" b="1">
+            <a:endParaRPr lang="en-US" sz="2000" b="1" dirty="0">
               <a:solidFill>
                 <a:schemeClr val="tx2"/>
               </a:solidFill>
@@ -19991,7 +20323,7 @@
               </a:lnSpc>
             </a:pPr>
             <a:r>
-              <a:rPr lang="en-US" sz="2000" b="1">
+              <a:rPr lang="en-US" sz="2000" b="1" dirty="0">
                 <a:solidFill>
                   <a:schemeClr val="tx2"/>
                 </a:solidFill>
@@ -20002,10 +20334,10 @@
                 </a:effectLst>
                 <a:sym typeface="Symbol" pitchFamily="18" charset="2"/>
               </a:rPr>
-              <a:t>3)  </a:t>
-            </a:r>
-            <a:r>
-              <a:rPr lang="en-US" sz="2000" b="1" i="1">
+              <a:t>c)  </a:t>
+            </a:r>
+            <a:r>
+              <a:rPr lang="en-US" sz="2000" b="1" i="1" dirty="0" err="1">
                 <a:solidFill>
                   <a:schemeClr val="tx2"/>
                 </a:solidFill>
@@ -20018,7 +20350,7 @@
               <a:t>C</a:t>
             </a:r>
             <a:r>
-              <a:rPr lang="en-US" sz="2000" b="1" i="1" baseline="-25000">
+              <a:rPr lang="en-US" sz="2000" b="1" i="1" baseline="-25000" dirty="0" err="1">
                 <a:solidFill>
                   <a:schemeClr val="tx2"/>
                 </a:solidFill>
@@ -20031,7 +20363,7 @@
               <a:t>eq</a:t>
             </a:r>
             <a:r>
-              <a:rPr lang="en-US" sz="2000" b="1" baseline="-25000">
+              <a:rPr lang="en-US" sz="2000" b="1" baseline="-25000" dirty="0">
                 <a:solidFill>
                   <a:schemeClr val="tx2"/>
                 </a:solidFill>
@@ -20044,7 +20376,7 @@
               <a:t>  </a:t>
             </a:r>
             <a:r>
-              <a:rPr lang="en-US" sz="2000" b="1">
+              <a:rPr lang="en-US" sz="2000" b="1" dirty="0">
                 <a:solidFill>
                   <a:schemeClr val="tx2"/>
                 </a:solidFill>
@@ -20057,7 +20389,7 @@
               <a:t>=  3 </a:t>
             </a:r>
             <a:r>
-              <a:rPr lang="en-US" sz="2000" b="1" i="1">
+              <a:rPr lang="en-US" sz="2000" b="1" i="1" dirty="0">
                 <a:solidFill>
                   <a:schemeClr val="tx2"/>
                 </a:solidFill>
@@ -20069,7 +20401,7 @@
               </a:rPr>
               <a:t>C</a:t>
             </a:r>
-            <a:endParaRPr lang="en-US" sz="2000" b="1" i="1">
+            <a:endParaRPr lang="en-US" sz="2000" b="1" i="1" dirty="0">
               <a:solidFill>
                 <a:schemeClr val="tx2"/>
               </a:solidFill>
@@ -20088,7 +20420,7 @@
               </a:lnSpc>
             </a:pPr>
             <a:r>
-              <a:rPr lang="en-US" sz="2000" b="1">
+              <a:rPr lang="en-US" sz="2000" b="1" dirty="0">
                 <a:solidFill>
                   <a:schemeClr val="tx2"/>
                 </a:solidFill>
@@ -20099,10 +20431,10 @@
                 </a:effectLst>
                 <a:sym typeface="Symbol" pitchFamily="18" charset="2"/>
               </a:rPr>
-              <a:t>4)  </a:t>
-            </a:r>
-            <a:r>
-              <a:rPr lang="en-US" sz="2000" b="1" i="1">
+              <a:t>d)  </a:t>
+            </a:r>
+            <a:r>
+              <a:rPr lang="en-US" sz="2000" b="1" i="1" dirty="0" err="1">
                 <a:solidFill>
                   <a:schemeClr val="tx2"/>
                 </a:solidFill>
@@ -20115,7 +20447,7 @@
               <a:t>C</a:t>
             </a:r>
             <a:r>
-              <a:rPr lang="en-US" sz="2000" b="1" i="1" baseline="-25000">
+              <a:rPr lang="en-US" sz="2000" b="1" i="1" baseline="-25000" dirty="0" err="1">
                 <a:solidFill>
                   <a:schemeClr val="tx2"/>
                 </a:solidFill>
@@ -20128,7 +20460,7 @@
               <a:t>eq</a:t>
             </a:r>
             <a:r>
-              <a:rPr lang="en-US" sz="2000" b="1" baseline="-25000">
+              <a:rPr lang="en-US" sz="2000" b="1" baseline="-25000" dirty="0">
                 <a:solidFill>
                   <a:schemeClr val="tx2"/>
                 </a:solidFill>
@@ -20141,7 +20473,7 @@
               <a:t>  </a:t>
             </a:r>
             <a:r>
-              <a:rPr lang="en-US" sz="2000" b="1">
+              <a:rPr lang="en-US" sz="2000" b="1" dirty="0">
                 <a:solidFill>
                   <a:schemeClr val="tx2"/>
                 </a:solidFill>
@@ -20154,7 +20486,7 @@
               <a:t>=  1/3 </a:t>
             </a:r>
             <a:r>
-              <a:rPr lang="en-US" sz="2000" b="1" i="1">
+              <a:rPr lang="en-US" sz="2000" b="1" i="1" dirty="0">
                 <a:solidFill>
                   <a:schemeClr val="tx2"/>
                 </a:solidFill>
@@ -20174,7 +20506,7 @@
               </a:lnSpc>
             </a:pPr>
             <a:r>
-              <a:rPr lang="en-US" sz="2000" b="1">
+              <a:rPr lang="en-US" sz="2000" b="1" dirty="0">
                 <a:solidFill>
                   <a:schemeClr val="tx2"/>
                 </a:solidFill>
@@ -20184,10 +20516,10 @@
                   </a:outerShdw>
                 </a:effectLst>
               </a:rPr>
-              <a:t>5)  </a:t>
-            </a:r>
-            <a:r>
-              <a:rPr lang="en-US" sz="2000" b="1" i="1">
+              <a:t>e)  </a:t>
+            </a:r>
+            <a:r>
+              <a:rPr lang="en-US" sz="2000" b="1" i="1" dirty="0" err="1">
                 <a:solidFill>
                   <a:schemeClr val="tx2"/>
                 </a:solidFill>
@@ -20200,7 +20532,7 @@
               <a:t>C</a:t>
             </a:r>
             <a:r>
-              <a:rPr lang="en-US" sz="2000" b="1" i="1" baseline="-25000">
+              <a:rPr lang="en-US" sz="2000" b="1" i="1" baseline="-25000" dirty="0" err="1">
                 <a:solidFill>
                   <a:schemeClr val="tx2"/>
                 </a:solidFill>
@@ -20213,7 +20545,7 @@
               <a:t>eq</a:t>
             </a:r>
             <a:r>
-              <a:rPr lang="en-US" sz="2000" b="1" baseline="-25000">
+              <a:rPr lang="en-US" sz="2000" b="1" baseline="-25000" dirty="0">
                 <a:solidFill>
                   <a:schemeClr val="tx2"/>
                 </a:solidFill>
@@ -20226,7 +20558,7 @@
               <a:t>  </a:t>
             </a:r>
             <a:r>
-              <a:rPr lang="en-US" sz="2000" b="1">
+              <a:rPr lang="en-US" sz="2000" b="1" dirty="0">
                 <a:solidFill>
                   <a:schemeClr val="tx2"/>
                 </a:solidFill>
@@ -20239,7 +20571,7 @@
               <a:t>=  1/2 </a:t>
             </a:r>
             <a:r>
-              <a:rPr lang="en-US" sz="2000" b="1" i="1">
+              <a:rPr lang="en-US" sz="2000" b="1" i="1" dirty="0">
                 <a:solidFill>
                   <a:schemeClr val="tx2"/>
                 </a:solidFill>
@@ -21555,7 +21887,7 @@
               </a:lnSpc>
             </a:pPr>
             <a:r>
-              <a:rPr lang="en-US" sz="2000" b="1">
+              <a:rPr lang="en-US" sz="2000" b="1" dirty="0">
                 <a:solidFill>
                   <a:schemeClr val="tx2"/>
                 </a:solidFill>
@@ -21565,10 +21897,10 @@
                   </a:outerShdw>
                 </a:effectLst>
               </a:rPr>
-              <a:t>1)  </a:t>
-            </a:r>
-            <a:r>
-              <a:rPr lang="en-US" sz="2000" b="1" i="1">
+              <a:t>a)  </a:t>
+            </a:r>
+            <a:r>
+              <a:rPr lang="en-US" sz="2000" b="1" i="1" dirty="0" err="1">
                 <a:solidFill>
                   <a:schemeClr val="tx2"/>
                 </a:solidFill>
@@ -21581,7 +21913,7 @@
               <a:t>C</a:t>
             </a:r>
             <a:r>
-              <a:rPr lang="en-US" sz="2000" b="1" i="1" baseline="-25000">
+              <a:rPr lang="en-US" sz="2000" b="1" i="1" baseline="-25000" dirty="0" err="1">
                 <a:solidFill>
                   <a:schemeClr val="tx2"/>
                 </a:solidFill>
@@ -21594,7 +21926,7 @@
               <a:t>eq</a:t>
             </a:r>
             <a:r>
-              <a:rPr lang="en-US" sz="2000" b="1" baseline="-25000">
+              <a:rPr lang="en-US" sz="2000" b="1" baseline="-25000" dirty="0">
                 <a:solidFill>
                   <a:schemeClr val="tx2"/>
                 </a:solidFill>
@@ -21607,7 +21939,7 @@
               <a:t>  </a:t>
             </a:r>
             <a:r>
-              <a:rPr lang="en-US" sz="2000" b="1">
+              <a:rPr lang="en-US" sz="2000" b="1" dirty="0">
                 <a:solidFill>
                   <a:schemeClr val="tx2"/>
                 </a:solidFill>
@@ -21620,7 +21952,7 @@
               <a:t>=  3/2 </a:t>
             </a:r>
             <a:r>
-              <a:rPr lang="en-US" sz="2000" b="1" i="1">
+              <a:rPr lang="en-US" sz="2000" b="1" i="1" dirty="0">
                 <a:solidFill>
                   <a:schemeClr val="tx2"/>
                 </a:solidFill>
@@ -21633,7 +21965,7 @@
               <a:t>C</a:t>
             </a:r>
             <a:r>
-              <a:rPr lang="en-US" sz="2000" b="1">
+              <a:rPr lang="en-US" sz="2000" b="1" dirty="0">
                 <a:solidFill>
                   <a:schemeClr val="tx2"/>
                 </a:solidFill>
@@ -21653,7 +21985,7 @@
               </a:lnSpc>
             </a:pPr>
             <a:r>
-              <a:rPr lang="en-US" sz="2000" b="1">
+              <a:rPr lang="en-US" sz="2000" b="1" dirty="0">
                 <a:solidFill>
                   <a:schemeClr val="tx2"/>
                 </a:solidFill>
@@ -21663,10 +21995,10 @@
                   </a:outerShdw>
                 </a:effectLst>
               </a:rPr>
-              <a:t>2)  </a:t>
-            </a:r>
-            <a:r>
-              <a:rPr lang="en-US" sz="2000" b="1" i="1">
+              <a:t>b)  </a:t>
+            </a:r>
+            <a:r>
+              <a:rPr lang="en-US" sz="2000" b="1" i="1" dirty="0" err="1">
                 <a:solidFill>
                   <a:schemeClr val="tx2"/>
                 </a:solidFill>
@@ -21679,7 +22011,7 @@
               <a:t>C</a:t>
             </a:r>
             <a:r>
-              <a:rPr lang="en-US" sz="2000" b="1" i="1" baseline="-25000">
+              <a:rPr lang="en-US" sz="2000" b="1" i="1" baseline="-25000" dirty="0" err="1">
                 <a:solidFill>
                   <a:schemeClr val="tx2"/>
                 </a:solidFill>
@@ -21692,7 +22024,7 @@
               <a:t>eq</a:t>
             </a:r>
             <a:r>
-              <a:rPr lang="en-US" sz="2000" b="1" baseline="-25000">
+              <a:rPr lang="en-US" sz="2000" b="1" baseline="-25000" dirty="0">
                 <a:solidFill>
                   <a:schemeClr val="tx2"/>
                 </a:solidFill>
@@ -21705,7 +22037,7 @@
               <a:t>  </a:t>
             </a:r>
             <a:r>
-              <a:rPr lang="en-US" sz="2000" b="1">
+              <a:rPr lang="en-US" sz="2000" b="1" dirty="0">
                 <a:solidFill>
                   <a:schemeClr val="tx2"/>
                 </a:solidFill>
@@ -21718,7 +22050,7 @@
               <a:t>=  2/3 </a:t>
             </a:r>
             <a:r>
-              <a:rPr lang="en-US" sz="2000" b="1" i="1">
+              <a:rPr lang="en-US" sz="2000" b="1" i="1" dirty="0">
                 <a:solidFill>
                   <a:schemeClr val="tx2"/>
                 </a:solidFill>
@@ -21731,10 +22063,10 @@
               <a:t>C</a:t>
             </a:r>
             <a:r>
-              <a:rPr lang="en-US" sz="2000" b="1"/>
+              <a:rPr lang="en-US" sz="2000" b="1" dirty="0"/>
               <a:t> </a:t>
             </a:r>
-            <a:endParaRPr lang="en-US" sz="2000" b="1">
+            <a:endParaRPr lang="en-US" sz="2000" b="1" dirty="0">
               <a:solidFill>
                 <a:schemeClr val="tx2"/>
               </a:solidFill>
@@ -21752,7 +22084,7 @@
               </a:lnSpc>
             </a:pPr>
             <a:r>
-              <a:rPr lang="en-US" sz="2000" b="1">
+              <a:rPr lang="en-US" sz="2000" b="1" dirty="0">
                 <a:solidFill>
                   <a:schemeClr val="tx2"/>
                 </a:solidFill>
@@ -21763,10 +22095,10 @@
                 </a:effectLst>
                 <a:sym typeface="Symbol" pitchFamily="18" charset="2"/>
               </a:rPr>
-              <a:t>3)  </a:t>
-            </a:r>
-            <a:r>
-              <a:rPr lang="en-US" sz="2000" b="1" i="1">
+              <a:t>c)  </a:t>
+            </a:r>
+            <a:r>
+              <a:rPr lang="en-US" sz="2000" b="1" i="1" dirty="0" err="1">
                 <a:solidFill>
                   <a:schemeClr val="tx2"/>
                 </a:solidFill>
@@ -21779,7 +22111,7 @@
               <a:t>C</a:t>
             </a:r>
             <a:r>
-              <a:rPr lang="en-US" sz="2000" b="1" i="1" baseline="-25000">
+              <a:rPr lang="en-US" sz="2000" b="1" i="1" baseline="-25000" dirty="0" err="1">
                 <a:solidFill>
                   <a:schemeClr val="tx2"/>
                 </a:solidFill>
@@ -21792,7 +22124,7 @@
               <a:t>eq</a:t>
             </a:r>
             <a:r>
-              <a:rPr lang="en-US" sz="2000" b="1" baseline="-25000">
+              <a:rPr lang="en-US" sz="2000" b="1" baseline="-25000" dirty="0">
                 <a:solidFill>
                   <a:schemeClr val="tx2"/>
                 </a:solidFill>
@@ -21805,7 +22137,7 @@
               <a:t>  </a:t>
             </a:r>
             <a:r>
-              <a:rPr lang="en-US" sz="2000" b="1">
+              <a:rPr lang="en-US" sz="2000" b="1" dirty="0">
                 <a:solidFill>
                   <a:schemeClr val="tx2"/>
                 </a:solidFill>
@@ -21818,7 +22150,7 @@
               <a:t>=  3 </a:t>
             </a:r>
             <a:r>
-              <a:rPr lang="en-US" sz="2000" b="1" i="1">
+              <a:rPr lang="en-US" sz="2000" b="1" i="1" dirty="0">
                 <a:solidFill>
                   <a:schemeClr val="tx2"/>
                 </a:solidFill>
@@ -21830,7 +22162,7 @@
               </a:rPr>
               <a:t>C</a:t>
             </a:r>
-            <a:endParaRPr lang="en-US" sz="2000" b="1" i="1">
+            <a:endParaRPr lang="en-US" sz="2000" b="1" i="1" dirty="0">
               <a:solidFill>
                 <a:schemeClr val="tx2"/>
               </a:solidFill>
@@ -21849,7 +22181,7 @@
               </a:lnSpc>
             </a:pPr>
             <a:r>
-              <a:rPr lang="en-US" sz="2000" b="1">
+              <a:rPr lang="en-US" sz="2000" b="1" dirty="0">
                 <a:solidFill>
                   <a:schemeClr val="tx2"/>
                 </a:solidFill>
@@ -21860,10 +22192,10 @@
                 </a:effectLst>
                 <a:sym typeface="Symbol" pitchFamily="18" charset="2"/>
               </a:rPr>
-              <a:t>4)  </a:t>
-            </a:r>
-            <a:r>
-              <a:rPr lang="en-US" sz="2000" b="1" i="1">
+              <a:t>d)  </a:t>
+            </a:r>
+            <a:r>
+              <a:rPr lang="en-US" sz="2000" b="1" i="1" dirty="0" err="1">
                 <a:solidFill>
                   <a:schemeClr val="tx2"/>
                 </a:solidFill>
@@ -21876,7 +22208,7 @@
               <a:t>C</a:t>
             </a:r>
             <a:r>
-              <a:rPr lang="en-US" sz="2000" b="1" i="1" baseline="-25000">
+              <a:rPr lang="en-US" sz="2000" b="1" i="1" baseline="-25000" dirty="0" err="1">
                 <a:solidFill>
                   <a:schemeClr val="tx2"/>
                 </a:solidFill>
@@ -21889,7 +22221,7 @@
               <a:t>eq</a:t>
             </a:r>
             <a:r>
-              <a:rPr lang="en-US" sz="2000" b="1" baseline="-25000">
+              <a:rPr lang="en-US" sz="2000" b="1" baseline="-25000" dirty="0">
                 <a:solidFill>
                   <a:schemeClr val="tx2"/>
                 </a:solidFill>
@@ -21902,7 +22234,7 @@
               <a:t>  </a:t>
             </a:r>
             <a:r>
-              <a:rPr lang="en-US" sz="2000" b="1">
+              <a:rPr lang="en-US" sz="2000" b="1" dirty="0">
                 <a:solidFill>
                   <a:schemeClr val="tx2"/>
                 </a:solidFill>
@@ -21915,7 +22247,7 @@
               <a:t>=  1/3 </a:t>
             </a:r>
             <a:r>
-              <a:rPr lang="en-US" sz="2000" b="1" i="1">
+              <a:rPr lang="en-US" sz="2000" b="1" i="1" dirty="0">
                 <a:solidFill>
                   <a:schemeClr val="tx2"/>
                 </a:solidFill>
@@ -21935,7 +22267,7 @@
               </a:lnSpc>
             </a:pPr>
             <a:r>
-              <a:rPr lang="en-US" sz="2000" b="1">
+              <a:rPr lang="en-US" sz="2000" b="1" dirty="0">
                 <a:solidFill>
                   <a:schemeClr val="tx2"/>
                 </a:solidFill>
@@ -21945,10 +22277,10 @@
                   </a:outerShdw>
                 </a:effectLst>
               </a:rPr>
-              <a:t>5)  </a:t>
-            </a:r>
-            <a:r>
-              <a:rPr lang="en-US" sz="2000" b="1" i="1">
+              <a:t>e)  </a:t>
+            </a:r>
+            <a:r>
+              <a:rPr lang="en-US" sz="2000" b="1" i="1" dirty="0" err="1">
                 <a:solidFill>
                   <a:schemeClr val="tx2"/>
                 </a:solidFill>
@@ -21961,7 +22293,7 @@
               <a:t>C</a:t>
             </a:r>
             <a:r>
-              <a:rPr lang="en-US" sz="2000" b="1" i="1" baseline="-25000">
+              <a:rPr lang="en-US" sz="2000" b="1" i="1" baseline="-25000" dirty="0" err="1">
                 <a:solidFill>
                   <a:schemeClr val="tx2"/>
                 </a:solidFill>
@@ -21974,7 +22306,7 @@
               <a:t>eq</a:t>
             </a:r>
             <a:r>
-              <a:rPr lang="en-US" sz="2000" b="1" baseline="-25000">
+              <a:rPr lang="en-US" sz="2000" b="1" baseline="-25000" dirty="0">
                 <a:solidFill>
                   <a:schemeClr val="tx2"/>
                 </a:solidFill>
@@ -21987,7 +22319,7 @@
               <a:t>  </a:t>
             </a:r>
             <a:r>
-              <a:rPr lang="en-US" sz="2000" b="1">
+              <a:rPr lang="en-US" sz="2000" b="1" dirty="0">
                 <a:solidFill>
                   <a:schemeClr val="tx2"/>
                 </a:solidFill>
@@ -22000,7 +22332,7 @@
               <a:t>=  1/2 </a:t>
             </a:r>
             <a:r>
-              <a:rPr lang="en-US" sz="2000" b="1" i="1">
+              <a:rPr lang="en-US" sz="2000" b="1" i="1" dirty="0">
                 <a:solidFill>
                   <a:schemeClr val="tx2"/>
                 </a:solidFill>
@@ -31540,7 +31872,7 @@
                   <a:schemeClr val="tx2"/>
                 </a:solidFill>
               </a:rPr>
-              <a:t>1)  increase the area of the plates</a:t>
+              <a:t>a)  increase the area of the plates</a:t>
             </a:r>
             <a:r>
               <a:rPr lang="en-US" sz="2000" b="1" dirty="0">
@@ -31569,7 +31901,7 @@
                   <a:schemeClr val="tx2"/>
                 </a:solidFill>
               </a:rPr>
-              <a:t>2)  decrease separation between the plates</a:t>
+              <a:t>b)  decrease separation between the plates</a:t>
             </a:r>
             <a:endParaRPr lang="en-US" sz="2000" b="1" dirty="0">
               <a:solidFill>
@@ -31591,7 +31923,7 @@
                 </a:solidFill>
                 <a:sym typeface="Symbol" pitchFamily="18" charset="2"/>
               </a:rPr>
-              <a:t>3)  decrease the area of the plates</a:t>
+              <a:t>c)  decrease the area of the plates</a:t>
             </a:r>
           </a:p>
           <a:p>
@@ -31607,7 +31939,7 @@
                 </a:solidFill>
                 <a:sym typeface="Symbol" pitchFamily="18" charset="2"/>
               </a:rPr>
-              <a:t>4)  either (1) or (2)</a:t>
+              <a:t>d)  either (a) or (b)</a:t>
             </a:r>
           </a:p>
           <a:p>
@@ -31623,7 +31955,7 @@
                 </a:solidFill>
                 <a:sym typeface="Symbol" pitchFamily="18" charset="2"/>
               </a:rPr>
-              <a:t>5)  either (2) or (3)</a:t>
+              <a:t>e)  either (b) or (c)</a:t>
             </a:r>
             <a:endParaRPr lang="en-US" sz="2000" b="1" dirty="0">
               <a:solidFill>
@@ -32401,7 +32733,7 @@
                   </a:outerShdw>
                 </a:effectLst>
               </a:rPr>
-              <a:t>1)  increase the area of the plates</a:t>
+              <a:t>a)  increase the area of the plates</a:t>
             </a:r>
             <a:r>
               <a:rPr lang="en-US" sz="2000" b="1" dirty="0">
@@ -32451,7 +32783,7 @@
                   </a:outerShdw>
                 </a:effectLst>
               </a:rPr>
-              <a:t>2)  decrease separation between the plates</a:t>
+              <a:t>b)  decrease separation between the plates</a:t>
             </a:r>
             <a:endParaRPr lang="en-US" sz="2000" b="1" dirty="0">
               <a:solidFill>
@@ -32487,7 +32819,7 @@
                 </a:effectLst>
                 <a:sym typeface="Symbol" pitchFamily="18" charset="2"/>
               </a:rPr>
-              <a:t>3)  decrease the area of the plates</a:t>
+              <a:t>c)  decrease the area of the plates</a:t>
             </a:r>
           </a:p>
           <a:p>
@@ -32510,7 +32842,7 @@
                 </a:effectLst>
                 <a:sym typeface="Symbol" pitchFamily="18" charset="2"/>
               </a:rPr>
-              <a:t>4)  either (1) or (2)</a:t>
+              <a:t>d)  either (a) or (b)</a:t>
             </a:r>
           </a:p>
           <a:p>
@@ -32533,7 +32865,7 @@
                 </a:effectLst>
                 <a:sym typeface="Symbol" pitchFamily="18" charset="2"/>
               </a:rPr>
-              <a:t>5)  either (2) or (3)</a:t>
+              <a:t>e)  either (b) or (c)</a:t>
             </a:r>
             <a:endParaRPr lang="en-US" sz="2000" b="1" dirty="0">
               <a:solidFill>
@@ -32556,11 +32888,17 @@
           <p:cNvGraphicFramePr>
             <a:graphicFrameLocks/>
           </p:cNvGraphicFramePr>
-          <p:nvPr/>
+          <p:nvPr>
+            <p:extLst>
+              <p:ext uri="{D42A27DB-BD31-4B8C-83A1-F6EECF244321}">
+                <p14:modId xmlns:p14="http://schemas.microsoft.com/office/powerpoint/2010/main" val="919453375"/>
+              </p:ext>
+            </p:extLst>
+          </p:nvPr>
         </p:nvGraphicFramePr>
         <p:xfrm>
-          <a:off x="3262668" y="4953331"/>
-          <a:ext cx="1019175" cy="566738"/>
+          <a:off x="1365775" y="5075241"/>
+          <a:ext cx="861860" cy="438183"/>
         </p:xfrm>
         <a:graphic>
           <a:graphicData uri="http://schemas.openxmlformats.org/presentationml/2006/ole">
@@ -32596,8 +32934,8 @@
                     </p:blipFill>
                     <p:spPr bwMode="auto">
                       <a:xfrm>
-                        <a:off x="3262668" y="4953331"/>
-                        <a:ext cx="1019175" cy="566738"/>
+                        <a:off x="1365775" y="5075241"/>
+                        <a:ext cx="861860" cy="438183"/>
                       </a:xfrm>
                       <a:prstGeom prst="rect">
                         <a:avLst/>
@@ -32609,27 +32947,6 @@
                         <a:noFill/>
                       </a:ln>
                       <a:effectLst/>
-                      <a:extLst>
-                        <a:ext uri="{91240B29-F687-4F45-9708-019B960494DF}">
-                          <a14:hiddenLine xmlns:a14="http://schemas.microsoft.com/office/drawing/2010/main" w="12700">
-                            <a:solidFill>
-                              <a:schemeClr val="tx1"/>
-                            </a:solidFill>
-                            <a:miter lim="800000"/>
-                            <a:headEnd/>
-                            <a:tailEnd/>
-                          </a14:hiddenLine>
-                        </a:ext>
-                        <a:ext uri="{AF507438-7753-43E0-B8FC-AC1667EBCBE1}">
-                          <a14:hiddenEffects xmlns:a14="http://schemas.microsoft.com/office/drawing/2010/main">
-                            <a:effectLst>
-                              <a:outerShdw dist="35921" dir="2700000" algn="ctr" rotWithShape="0">
-                                <a:schemeClr val="bg2"/>
-                              </a:outerShdw>
-                            </a:effectLst>
-                          </a14:hiddenEffects>
-                        </a:ext>
-                      </a:extLst>
                     </p:spPr>
                   </p:pic>
                 </p:oleObj>
@@ -33575,11 +33892,11 @@
               <a:t>	</a:t>
             </a:r>
             <a:r>
-              <a:rPr lang="en-US" b="1" dirty="0"/>
-              <a:t>A parallel-plate capacitor initially has a voltage of </a:t>
-            </a:r>
-            <a:r>
-              <a:rPr lang="en-US" b="1" dirty="0">
+              <a:rPr lang="en-US" dirty="0"/>
+              <a:t>A parallel-plate capacitor has an initial voltage of </a:t>
+            </a:r>
+            <a:r>
+              <a:rPr lang="en-US" dirty="0">
                 <a:solidFill>
                   <a:schemeClr val="tx2"/>
                 </a:solidFill>
@@ -33587,23 +33904,23 @@
               <a:t>400 V</a:t>
             </a:r>
             <a:r>
-              <a:rPr lang="en-US" b="1" dirty="0"/>
+              <a:rPr lang="en-US" dirty="0"/>
               <a:t> and </a:t>
             </a:r>
             <a:r>
-              <a:rPr lang="en-US" b="1" i="1" dirty="0">
+              <a:rPr lang="en-US" i="1" dirty="0">
                 <a:solidFill>
-                  <a:schemeClr val="accent2"/>
+                  <a:srgbClr val="FF0000"/>
                 </a:solidFill>
               </a:rPr>
               <a:t>stays connected to the battery</a:t>
             </a:r>
             <a:r>
-              <a:rPr lang="en-US" b="1" dirty="0"/>
-              <a:t>.  If the plate spacing is now </a:t>
-            </a:r>
-            <a:r>
-              <a:rPr lang="en-US" b="1" dirty="0">
+              <a:rPr lang="en-US" dirty="0"/>
+              <a:t>.  If the plate spacing is then </a:t>
+            </a:r>
+            <a:r>
+              <a:rPr lang="en-US" dirty="0">
                 <a:solidFill>
                   <a:schemeClr val="tx2"/>
                 </a:solidFill>
@@ -33611,7 +33928,7 @@
               <a:t>doubled,</a:t>
             </a:r>
             <a:r>
-              <a:rPr lang="en-US" b="1" dirty="0"/>
+              <a:rPr lang="en-US" dirty="0"/>
               <a:t> what happens?</a:t>
             </a:r>
           </a:p>
@@ -33659,7 +33976,7 @@
                   <a:schemeClr val="tx2"/>
                 </a:solidFill>
               </a:rPr>
-              <a:t>1) the voltage decreases</a:t>
+              <a:t>a) the voltage decreases</a:t>
             </a:r>
           </a:p>
           <a:p>
@@ -33674,7 +33991,7 @@
                   <a:schemeClr val="tx2"/>
                 </a:solidFill>
               </a:rPr>
-              <a:t>2) the voltage increases</a:t>
+              <a:t>b) the voltage increases</a:t>
             </a:r>
             <a:endParaRPr lang="en-US" sz="2000" b="1" dirty="0">
               <a:solidFill>
@@ -33696,7 +34013,7 @@
                 </a:solidFill>
                 <a:sym typeface="Symbol" pitchFamily="18" charset="2"/>
               </a:rPr>
-              <a:t>3) </a:t>
+              <a:t>c) </a:t>
             </a:r>
             <a:r>
               <a:rPr lang="en-US" sz="2000" b="1" dirty="0">
@@ -33726,7 +34043,7 @@
                 </a:solidFill>
                 <a:sym typeface="Symbol" pitchFamily="18" charset="2"/>
               </a:rPr>
-              <a:t>4) </a:t>
+              <a:t>d) </a:t>
             </a:r>
             <a:r>
               <a:rPr lang="en-US" sz="2000" b="1" dirty="0">
@@ -33756,7 +34073,7 @@
                 </a:solidFill>
                 <a:sym typeface="Symbol" pitchFamily="18" charset="2"/>
               </a:rPr>
-              <a:t>5) both voltage and charge change</a:t>
+              <a:t>e) both voltage and charge change</a:t>
             </a:r>
           </a:p>
         </p:txBody>

--- a/Slides/PH223_Lecture_34.pptx
+++ b/Slides/PH223_Lecture_34.pptx
@@ -56,8 +56,8 @@
     <p:sldId id="266" r:id="rId47"/>
     <p:sldId id="1455" r:id="rId48"/>
     <p:sldId id="291" r:id="rId49"/>
-    <p:sldId id="1449" r:id="rId50"/>
-    <p:sldId id="1457" r:id="rId51"/>
+    <p:sldId id="1457" r:id="rId50"/>
+    <p:sldId id="1449" r:id="rId51"/>
     <p:sldId id="267" r:id="rId52"/>
     <p:sldId id="268" r:id="rId53"/>
     <p:sldId id="269" r:id="rId54"/>
@@ -181,361 +181,21 @@
 </p:presentation>
 </file>
 
-<file path=ppt/revisionInfo.xml><?xml version="1.0" encoding="utf-8"?>
-<p1510:revInfo xmlns:a="http://schemas.openxmlformats.org/drawingml/2006/main" xmlns:r="http://schemas.openxmlformats.org/officeDocument/2006/relationships" xmlns:p1510="http://schemas.microsoft.com/office/powerpoint/2015/10/main">
-  <p1510:revLst>
-    <p1510:client id="{A48F35DF-4755-4920-A7FD-3978C91BC219}" v="2" dt="2024-09-20T17:04:11.294"/>
-  </p1510:revLst>
-</p1510:revInfo>
-</file>
-
 <file path=ppt/changesInfos/changesInfo1.xml><?xml version="1.0" encoding="utf-8"?>
 <pc:chgInfo xmlns:a="http://schemas.openxmlformats.org/drawingml/2006/main" xmlns:r="http://schemas.openxmlformats.org/officeDocument/2006/relationships" xmlns:ac="http://schemas.microsoft.com/office/drawing/2013/main/command" xmlns:pc="http://schemas.microsoft.com/office/powerpoint/2013/main/command">
   <pc:docChgLst>
-    <pc:chgData name="Lines, Todd" userId="afaf7c3a-e8aa-4568-882a-02ad8f9e19b0" providerId="ADAL" clId="{A48F35DF-4755-4920-A7FD-3978C91BC219}"/>
-    <pc:docChg chg="custSel addSld modSld">
-      <pc:chgData name="Lines, Todd" userId="afaf7c3a-e8aa-4568-882a-02ad8f9e19b0" providerId="ADAL" clId="{A48F35DF-4755-4920-A7FD-3978C91BC219}" dt="2024-09-20T17:20:01.047" v="27" actId="20577"/>
+    <pc:chgData name="Lines, Todd" userId="afaf7c3a-e8aa-4568-882a-02ad8f9e19b0" providerId="ADAL" clId="{5FF5AC1B-ABA9-43D7-A1E3-2D92732CD6E2}"/>
+    <pc:docChg chg="modSld sldOrd">
+      <pc:chgData name="Lines, Todd" userId="afaf7c3a-e8aa-4568-882a-02ad8f9e19b0" providerId="ADAL" clId="{5FF5AC1B-ABA9-43D7-A1E3-2D92732CD6E2}" dt="2025-11-11T00:31:28.172" v="1"/>
       <pc:docMkLst>
         <pc:docMk/>
       </pc:docMkLst>
-      <pc:sldChg chg="addSp delSp modSp new mod">
-        <pc:chgData name="Lines, Todd" userId="afaf7c3a-e8aa-4568-882a-02ad8f9e19b0" providerId="ADAL" clId="{A48F35DF-4755-4920-A7FD-3978C91BC219}" dt="2024-09-20T17:04:11.290" v="22" actId="20577"/>
-        <pc:sldMkLst>
-          <pc:docMk/>
-          <pc:sldMk cId="761006191" sldId="1456"/>
-        </pc:sldMkLst>
-        <pc:spChg chg="mod">
-          <ac:chgData name="Lines, Todd" userId="afaf7c3a-e8aa-4568-882a-02ad8f9e19b0" providerId="ADAL" clId="{A48F35DF-4755-4920-A7FD-3978C91BC219}" dt="2024-09-20T16:55:55.181" v="13" actId="20577"/>
-          <ac:spMkLst>
-            <pc:docMk/>
-            <pc:sldMk cId="761006191" sldId="1456"/>
-            <ac:spMk id="2" creationId="{974B74E6-6806-4E3B-6B2F-6835AC6B98BF}"/>
-          </ac:spMkLst>
-        </pc:spChg>
-        <pc:spChg chg="mod">
-          <ac:chgData name="Lines, Todd" userId="afaf7c3a-e8aa-4568-882a-02ad8f9e19b0" providerId="ADAL" clId="{A48F35DF-4755-4920-A7FD-3978C91BC219}" dt="2024-09-20T17:04:11.290" v="22" actId="20577"/>
-          <ac:spMkLst>
-            <pc:docMk/>
-            <pc:sldMk cId="761006191" sldId="1456"/>
-            <ac:spMk id="3" creationId="{32D2F1B5-ED77-092A-339A-73D1B416ECEA}"/>
-          </ac:spMkLst>
-        </pc:spChg>
-        <pc:picChg chg="add del">
-          <ac:chgData name="Lines, Todd" userId="afaf7c3a-e8aa-4568-882a-02ad8f9e19b0" providerId="ADAL" clId="{A48F35DF-4755-4920-A7FD-3978C91BC219}" dt="2024-09-20T17:00:54.124" v="17" actId="478"/>
-          <ac:picMkLst>
-            <pc:docMk/>
-            <pc:sldMk cId="761006191" sldId="1456"/>
-            <ac:picMk id="5" creationId="{52D7498D-CF93-BD17-0317-6C35EF3B247E}"/>
-          </ac:picMkLst>
-        </pc:picChg>
-      </pc:sldChg>
-      <pc:sldChg chg="addSp delSp modSp new mod modClrScheme chgLayout">
-        <pc:chgData name="Lines, Todd" userId="afaf7c3a-e8aa-4568-882a-02ad8f9e19b0" providerId="ADAL" clId="{A48F35DF-4755-4920-A7FD-3978C91BC219}" dt="2024-09-20T17:20:01.047" v="27" actId="20577"/>
-        <pc:sldMkLst>
-          <pc:docMk/>
-          <pc:sldMk cId="1784524523" sldId="1457"/>
-        </pc:sldMkLst>
-        <pc:spChg chg="del mod ord">
-          <ac:chgData name="Lines, Todd" userId="afaf7c3a-e8aa-4568-882a-02ad8f9e19b0" providerId="ADAL" clId="{A48F35DF-4755-4920-A7FD-3978C91BC219}" dt="2024-09-20T17:19:58.639" v="24" actId="700"/>
-          <ac:spMkLst>
-            <pc:docMk/>
-            <pc:sldMk cId="1784524523" sldId="1457"/>
-            <ac:spMk id="2" creationId="{22FBC564-C2BC-52C6-7725-22ACEF69B97C}"/>
-          </ac:spMkLst>
-        </pc:spChg>
-        <pc:spChg chg="del mod ord">
-          <ac:chgData name="Lines, Todd" userId="afaf7c3a-e8aa-4568-882a-02ad8f9e19b0" providerId="ADAL" clId="{A48F35DF-4755-4920-A7FD-3978C91BC219}" dt="2024-09-20T17:19:58.639" v="24" actId="700"/>
-          <ac:spMkLst>
-            <pc:docMk/>
-            <pc:sldMk cId="1784524523" sldId="1457"/>
-            <ac:spMk id="3" creationId="{A9BF370C-89DA-A797-4B43-6F25C89A90C1}"/>
-          </ac:spMkLst>
-        </pc:spChg>
-        <pc:spChg chg="add mod ord">
-          <ac:chgData name="Lines, Todd" userId="afaf7c3a-e8aa-4568-882a-02ad8f9e19b0" providerId="ADAL" clId="{A48F35DF-4755-4920-A7FD-3978C91BC219}" dt="2024-09-20T17:20:01.047" v="27" actId="20577"/>
-          <ac:spMkLst>
-            <pc:docMk/>
-            <pc:sldMk cId="1784524523" sldId="1457"/>
-            <ac:spMk id="4" creationId="{290B3E63-3E11-95F8-E6E6-4803C06441B7}"/>
-          </ac:spMkLst>
-        </pc:spChg>
-        <pc:spChg chg="add mod ord">
-          <ac:chgData name="Lines, Todd" userId="afaf7c3a-e8aa-4568-882a-02ad8f9e19b0" providerId="ADAL" clId="{A48F35DF-4755-4920-A7FD-3978C91BC219}" dt="2024-09-20T17:19:58.639" v="24" actId="700"/>
-          <ac:spMkLst>
-            <pc:docMk/>
-            <pc:sldMk cId="1784524523" sldId="1457"/>
-            <ac:spMk id="5" creationId="{CA72D322-1DE2-C875-8E34-EB4BCECFCFA7}"/>
-          </ac:spMkLst>
-        </pc:spChg>
-      </pc:sldChg>
-    </pc:docChg>
-  </pc:docChgLst>
-  <pc:docChgLst>
-    <pc:chgData name="Lines, Todd" userId="afaf7c3a-e8aa-4568-882a-02ad8f9e19b0" providerId="ADAL" clId="{B3E261B2-29DE-41BC-8C7F-2434BF53B993}"/>
-    <pc:docChg chg="undo custSel addSld delSld modSld sldOrd">
-      <pc:chgData name="Lines, Todd" userId="afaf7c3a-e8aa-4568-882a-02ad8f9e19b0" providerId="ADAL" clId="{B3E261B2-29DE-41BC-8C7F-2434BF53B993}" dt="2023-09-18T14:14:16.356" v="41"/>
-      <pc:docMkLst>
-        <pc:docMk/>
-      </pc:docMkLst>
-      <pc:sldChg chg="addSp delSp modSp mod delAnim modAnim">
-        <pc:chgData name="Lines, Todd" userId="afaf7c3a-e8aa-4568-882a-02ad8f9e19b0" providerId="ADAL" clId="{B3E261B2-29DE-41BC-8C7F-2434BF53B993}" dt="2023-09-18T14:06:49.414" v="20" actId="478"/>
-        <pc:sldMkLst>
-          <pc:docMk/>
-          <pc:sldMk cId="0" sldId="257"/>
-        </pc:sldMkLst>
-        <pc:spChg chg="add del">
-          <ac:chgData name="Lines, Todd" userId="afaf7c3a-e8aa-4568-882a-02ad8f9e19b0" providerId="ADAL" clId="{B3E261B2-29DE-41BC-8C7F-2434BF53B993}" dt="2023-09-18T14:06:49.414" v="20" actId="478"/>
-          <ac:spMkLst>
-            <pc:docMk/>
-            <pc:sldMk cId="0" sldId="257"/>
-            <ac:spMk id="4" creationId="{9C5CE813-E3EF-F2A7-5800-118AC46E4EF5}"/>
-          </ac:spMkLst>
-        </pc:spChg>
-        <pc:picChg chg="add del mod">
-          <ac:chgData name="Lines, Todd" userId="afaf7c3a-e8aa-4568-882a-02ad8f9e19b0" providerId="ADAL" clId="{B3E261B2-29DE-41BC-8C7F-2434BF53B993}" dt="2023-09-18T14:06:45.846" v="19" actId="478"/>
-          <ac:picMkLst>
-            <pc:docMk/>
-            <pc:sldMk cId="0" sldId="257"/>
-            <ac:picMk id="2" creationId="{E72F4EE8-FD1F-8F3A-ACEE-3306D9F251D0}"/>
-          </ac:picMkLst>
-        </pc:picChg>
-      </pc:sldChg>
-      <pc:sldChg chg="del">
-        <pc:chgData name="Lines, Todd" userId="afaf7c3a-e8aa-4568-882a-02ad8f9e19b0" providerId="ADAL" clId="{B3E261B2-29DE-41BC-8C7F-2434BF53B993}" dt="2023-09-15T23:30:49.773" v="2" actId="47"/>
-        <pc:sldMkLst>
-          <pc:docMk/>
-          <pc:sldMk cId="0" sldId="286"/>
-        </pc:sldMkLst>
-      </pc:sldChg>
-      <pc:sldChg chg="add ord">
-        <pc:chgData name="Lines, Todd" userId="afaf7c3a-e8aa-4568-882a-02ad8f9e19b0" providerId="ADAL" clId="{B3E261B2-29DE-41BC-8C7F-2434BF53B993}" dt="2023-09-15T23:34:45.148" v="12"/>
-        <pc:sldMkLst>
-          <pc:docMk/>
-          <pc:sldMk cId="0" sldId="423"/>
-        </pc:sldMkLst>
-      </pc:sldChg>
-      <pc:sldChg chg="add ord">
-        <pc:chgData name="Lines, Todd" userId="afaf7c3a-e8aa-4568-882a-02ad8f9e19b0" providerId="ADAL" clId="{B3E261B2-29DE-41BC-8C7F-2434BF53B993}" dt="2023-09-15T23:34:45.148" v="12"/>
-        <pc:sldMkLst>
-          <pc:docMk/>
-          <pc:sldMk cId="0" sldId="602"/>
-        </pc:sldMkLst>
-      </pc:sldChg>
-      <pc:sldChg chg="add ord">
-        <pc:chgData name="Lines, Todd" userId="afaf7c3a-e8aa-4568-882a-02ad8f9e19b0" providerId="ADAL" clId="{B3E261B2-29DE-41BC-8C7F-2434BF53B993}" dt="2023-09-15T23:34:45.148" v="12"/>
-        <pc:sldMkLst>
-          <pc:docMk/>
-          <pc:sldMk cId="0" sldId="603"/>
-        </pc:sldMkLst>
-      </pc:sldChg>
-      <pc:sldChg chg="add">
-        <pc:chgData name="Lines, Todd" userId="afaf7c3a-e8aa-4568-882a-02ad8f9e19b0" providerId="ADAL" clId="{B3E261B2-29DE-41BC-8C7F-2434BF53B993}" dt="2023-09-15T23:29:59.768" v="0"/>
-        <pc:sldMkLst>
-          <pc:docMk/>
-          <pc:sldMk cId="0" sldId="1133"/>
-        </pc:sldMkLst>
-      </pc:sldChg>
-      <pc:sldChg chg="add">
-        <pc:chgData name="Lines, Todd" userId="afaf7c3a-e8aa-4568-882a-02ad8f9e19b0" providerId="ADAL" clId="{B3E261B2-29DE-41BC-8C7F-2434BF53B993}" dt="2023-09-15T23:29:59.768" v="0"/>
-        <pc:sldMkLst>
-          <pc:docMk/>
-          <pc:sldMk cId="0" sldId="1134"/>
-        </pc:sldMkLst>
-      </pc:sldChg>
-      <pc:sldChg chg="add">
-        <pc:chgData name="Lines, Todd" userId="afaf7c3a-e8aa-4568-882a-02ad8f9e19b0" providerId="ADAL" clId="{B3E261B2-29DE-41BC-8C7F-2434BF53B993}" dt="2023-09-15T23:29:59.768" v="0"/>
-        <pc:sldMkLst>
-          <pc:docMk/>
-          <pc:sldMk cId="0" sldId="1135"/>
-        </pc:sldMkLst>
-      </pc:sldChg>
-      <pc:sldChg chg="add">
-        <pc:chgData name="Lines, Todd" userId="afaf7c3a-e8aa-4568-882a-02ad8f9e19b0" providerId="ADAL" clId="{B3E261B2-29DE-41BC-8C7F-2434BF53B993}" dt="2023-09-15T23:30:13.018" v="1"/>
-        <pc:sldMkLst>
-          <pc:docMk/>
-          <pc:sldMk cId="0" sldId="1136"/>
-        </pc:sldMkLst>
-      </pc:sldChg>
-      <pc:sldChg chg="addSp delSp modSp new mod modAnim">
-        <pc:chgData name="Lines, Todd" userId="afaf7c3a-e8aa-4568-882a-02ad8f9e19b0" providerId="ADAL" clId="{B3E261B2-29DE-41BC-8C7F-2434BF53B993}" dt="2023-09-15T23:32:46.046" v="7" actId="1076"/>
-        <pc:sldMkLst>
-          <pc:docMk/>
-          <pc:sldMk cId="6076016" sldId="1137"/>
-        </pc:sldMkLst>
-        <pc:spChg chg="del">
-          <ac:chgData name="Lines, Todd" userId="afaf7c3a-e8aa-4568-882a-02ad8f9e19b0" providerId="ADAL" clId="{B3E261B2-29DE-41BC-8C7F-2434BF53B993}" dt="2023-09-15T23:32:38.199" v="4"/>
-          <ac:spMkLst>
-            <pc:docMk/>
-            <pc:sldMk cId="6076016" sldId="1137"/>
-            <ac:spMk id="3" creationId="{01D7B3F4-A4CB-F444-8225-59A8D0115E98}"/>
-          </ac:spMkLst>
-        </pc:spChg>
-        <pc:picChg chg="add mod">
-          <ac:chgData name="Lines, Todd" userId="afaf7c3a-e8aa-4568-882a-02ad8f9e19b0" providerId="ADAL" clId="{B3E261B2-29DE-41BC-8C7F-2434BF53B993}" dt="2023-09-15T23:32:46.046" v="7" actId="1076"/>
-          <ac:picMkLst>
-            <pc:docMk/>
-            <pc:sldMk cId="6076016" sldId="1137"/>
-            <ac:picMk id="4" creationId="{EA5B72B8-C27C-E2F1-F165-79C5BE4B4A89}"/>
-          </ac:picMkLst>
-        </pc:picChg>
-      </pc:sldChg>
-      <pc:sldChg chg="addSp add mod">
-        <pc:chgData name="Lines, Todd" userId="afaf7c3a-e8aa-4568-882a-02ad8f9e19b0" providerId="ADAL" clId="{B3E261B2-29DE-41BC-8C7F-2434BF53B993}" dt="2023-09-18T14:06:36.862" v="17" actId="22"/>
-        <pc:sldMkLst>
-          <pc:docMk/>
-          <pc:sldMk cId="0" sldId="1138"/>
-        </pc:sldMkLst>
-        <pc:spChg chg="add">
-          <ac:chgData name="Lines, Todd" userId="afaf7c3a-e8aa-4568-882a-02ad8f9e19b0" providerId="ADAL" clId="{B3E261B2-29DE-41BC-8C7F-2434BF53B993}" dt="2023-09-18T14:06:36.862" v="17" actId="22"/>
-          <ac:spMkLst>
-            <pc:docMk/>
-            <pc:sldMk cId="0" sldId="1138"/>
-            <ac:spMk id="4" creationId="{2A3A65BF-9F42-43D0-751F-7039F438FA15}"/>
-          </ac:spMkLst>
-        </pc:spChg>
-      </pc:sldChg>
-      <pc:sldChg chg="add">
-        <pc:chgData name="Lines, Todd" userId="afaf7c3a-e8aa-4568-882a-02ad8f9e19b0" providerId="ADAL" clId="{B3E261B2-29DE-41BC-8C7F-2434BF53B993}" dt="2023-09-15T23:35:20.666" v="13"/>
-        <pc:sldMkLst>
-          <pc:docMk/>
-          <pc:sldMk cId="2928936320" sldId="1447"/>
-        </pc:sldMkLst>
-      </pc:sldChg>
-      <pc:sldChg chg="add">
-        <pc:chgData name="Lines, Todd" userId="afaf7c3a-e8aa-4568-882a-02ad8f9e19b0" providerId="ADAL" clId="{B3E261B2-29DE-41BC-8C7F-2434BF53B993}" dt="2023-09-15T23:35:20.666" v="13"/>
-        <pc:sldMkLst>
-          <pc:docMk/>
-          <pc:sldMk cId="1324548253" sldId="1448"/>
-        </pc:sldMkLst>
-      </pc:sldChg>
-      <pc:sldChg chg="add">
-        <pc:chgData name="Lines, Todd" userId="afaf7c3a-e8aa-4568-882a-02ad8f9e19b0" providerId="ADAL" clId="{B3E261B2-29DE-41BC-8C7F-2434BF53B993}" dt="2023-09-15T23:35:52.144" v="14"/>
+      <pc:sldChg chg="ord">
+        <pc:chgData name="Lines, Todd" userId="afaf7c3a-e8aa-4568-882a-02ad8f9e19b0" providerId="ADAL" clId="{5FF5AC1B-ABA9-43D7-A1E3-2D92732CD6E2}" dt="2025-11-11T00:31:28.172" v="1"/>
         <pc:sldMkLst>
           <pc:docMk/>
           <pc:sldMk cId="2726327072" sldId="1449"/>
         </pc:sldMkLst>
-      </pc:sldChg>
-      <pc:sldChg chg="delSp modSp add mod">
-        <pc:chgData name="Lines, Todd" userId="afaf7c3a-e8aa-4568-882a-02ad8f9e19b0" providerId="ADAL" clId="{B3E261B2-29DE-41BC-8C7F-2434BF53B993}" dt="2023-09-18T14:07:05.102" v="23" actId="14100"/>
-        <pc:sldMkLst>
-          <pc:docMk/>
-          <pc:sldMk cId="3774902471" sldId="1450"/>
-        </pc:sldMkLst>
-        <pc:spChg chg="del">
-          <ac:chgData name="Lines, Todd" userId="afaf7c3a-e8aa-4568-882a-02ad8f9e19b0" providerId="ADAL" clId="{B3E261B2-29DE-41BC-8C7F-2434BF53B993}" dt="2023-09-18T14:06:54.942" v="21" actId="478"/>
-          <ac:spMkLst>
-            <pc:docMk/>
-            <pc:sldMk cId="3774902471" sldId="1450"/>
-            <ac:spMk id="4" creationId="{9C5CE813-E3EF-F2A7-5800-118AC46E4EF5}"/>
-          </ac:spMkLst>
-        </pc:spChg>
-        <pc:picChg chg="mod">
-          <ac:chgData name="Lines, Todd" userId="afaf7c3a-e8aa-4568-882a-02ad8f9e19b0" providerId="ADAL" clId="{B3E261B2-29DE-41BC-8C7F-2434BF53B993}" dt="2023-09-18T14:07:05.102" v="23" actId="14100"/>
-          <ac:picMkLst>
-            <pc:docMk/>
-            <pc:sldMk cId="3774902471" sldId="1450"/>
-            <ac:picMk id="2" creationId="{E72F4EE8-FD1F-8F3A-ACEE-3306D9F251D0}"/>
-          </ac:picMkLst>
-        </pc:picChg>
-      </pc:sldChg>
-      <pc:sldChg chg="addSp delSp modSp new mod modAnim">
-        <pc:chgData name="Lines, Todd" userId="afaf7c3a-e8aa-4568-882a-02ad8f9e19b0" providerId="ADAL" clId="{B3E261B2-29DE-41BC-8C7F-2434BF53B993}" dt="2023-09-18T14:08:41.507" v="29" actId="14100"/>
-        <pc:sldMkLst>
-          <pc:docMk/>
-          <pc:sldMk cId="46108724" sldId="1451"/>
-        </pc:sldMkLst>
-        <pc:spChg chg="del">
-          <ac:chgData name="Lines, Todd" userId="afaf7c3a-e8aa-4568-882a-02ad8f9e19b0" providerId="ADAL" clId="{B3E261B2-29DE-41BC-8C7F-2434BF53B993}" dt="2023-09-18T14:08:31.759" v="27"/>
-          <ac:spMkLst>
-            <pc:docMk/>
-            <pc:sldMk cId="46108724" sldId="1451"/>
-            <ac:spMk id="3" creationId="{40AC2389-B985-0845-3538-2002E00A71E1}"/>
-          </ac:spMkLst>
-        </pc:spChg>
-        <pc:spChg chg="add del">
-          <ac:chgData name="Lines, Todd" userId="afaf7c3a-e8aa-4568-882a-02ad8f9e19b0" providerId="ADAL" clId="{B3E261B2-29DE-41BC-8C7F-2434BF53B993}" dt="2023-09-18T14:08:14.052" v="26" actId="22"/>
-          <ac:spMkLst>
-            <pc:docMk/>
-            <pc:sldMk cId="46108724" sldId="1451"/>
-            <ac:spMk id="5" creationId="{058311F2-1911-E5A8-CEB6-8D5567899070}"/>
-          </ac:spMkLst>
-        </pc:spChg>
-        <pc:picChg chg="add mod">
-          <ac:chgData name="Lines, Todd" userId="afaf7c3a-e8aa-4568-882a-02ad8f9e19b0" providerId="ADAL" clId="{B3E261B2-29DE-41BC-8C7F-2434BF53B993}" dt="2023-09-18T14:08:41.507" v="29" actId="14100"/>
-          <ac:picMkLst>
-            <pc:docMk/>
-            <pc:sldMk cId="46108724" sldId="1451"/>
-            <ac:picMk id="6" creationId="{54B80DC7-7353-A7EB-4A26-944237DB8D73}"/>
-          </ac:picMkLst>
-        </pc:picChg>
-      </pc:sldChg>
-      <pc:sldChg chg="addSp modSp new mod modAnim">
-        <pc:chgData name="Lines, Todd" userId="afaf7c3a-e8aa-4568-882a-02ad8f9e19b0" providerId="ADAL" clId="{B3E261B2-29DE-41BC-8C7F-2434BF53B993}" dt="2023-09-18T14:10:39.800" v="33" actId="14100"/>
-        <pc:sldMkLst>
-          <pc:docMk/>
-          <pc:sldMk cId="3759418338" sldId="1452"/>
-        </pc:sldMkLst>
-        <pc:picChg chg="add mod">
-          <ac:chgData name="Lines, Todd" userId="afaf7c3a-e8aa-4568-882a-02ad8f9e19b0" providerId="ADAL" clId="{B3E261B2-29DE-41BC-8C7F-2434BF53B993}" dt="2023-09-18T14:10:39.800" v="33" actId="14100"/>
-          <ac:picMkLst>
-            <pc:docMk/>
-            <pc:sldMk cId="3759418338" sldId="1452"/>
-            <ac:picMk id="2" creationId="{68900FD0-D722-189D-2C4D-D9BB956ABAC4}"/>
-          </ac:picMkLst>
-        </pc:picChg>
-      </pc:sldChg>
-      <pc:sldChg chg="new">
-        <pc:chgData name="Lines, Todd" userId="afaf7c3a-e8aa-4568-882a-02ad8f9e19b0" providerId="ADAL" clId="{B3E261B2-29DE-41BC-8C7F-2434BF53B993}" dt="2023-09-18T14:10:42.662" v="34" actId="680"/>
-        <pc:sldMkLst>
-          <pc:docMk/>
-          <pc:sldMk cId="1153162300" sldId="1453"/>
-        </pc:sldMkLst>
-      </pc:sldChg>
-      <pc:sldChg chg="addSp delSp modSp new mod modAnim">
-        <pc:chgData name="Lines, Todd" userId="afaf7c3a-e8aa-4568-882a-02ad8f9e19b0" providerId="ADAL" clId="{B3E261B2-29DE-41BC-8C7F-2434BF53B993}" dt="2023-09-18T14:12:39.696" v="39" actId="1076"/>
-        <pc:sldMkLst>
-          <pc:docMk/>
-          <pc:sldMk cId="2143273230" sldId="1454"/>
-        </pc:sldMkLst>
-        <pc:spChg chg="del">
-          <ac:chgData name="Lines, Todd" userId="afaf7c3a-e8aa-4568-882a-02ad8f9e19b0" providerId="ADAL" clId="{B3E261B2-29DE-41BC-8C7F-2434BF53B993}" dt="2023-09-18T14:12:28.893" v="36"/>
-          <ac:spMkLst>
-            <pc:docMk/>
-            <pc:sldMk cId="2143273230" sldId="1454"/>
-            <ac:spMk id="3" creationId="{FBDA2887-14D0-1A8C-EB07-C44E85605CA9}"/>
-          </ac:spMkLst>
-        </pc:spChg>
-        <pc:picChg chg="add mod">
-          <ac:chgData name="Lines, Todd" userId="afaf7c3a-e8aa-4568-882a-02ad8f9e19b0" providerId="ADAL" clId="{B3E261B2-29DE-41BC-8C7F-2434BF53B993}" dt="2023-09-18T14:12:39.696" v="39" actId="1076"/>
-          <ac:picMkLst>
-            <pc:docMk/>
-            <pc:sldMk cId="2143273230" sldId="1454"/>
-            <ac:picMk id="4" creationId="{13A16751-2018-D12C-E022-7A9D0C7E8E48}"/>
-          </ac:picMkLst>
-        </pc:picChg>
-      </pc:sldChg>
-      <pc:sldChg chg="addSp delSp modSp new modAnim">
-        <pc:chgData name="Lines, Todd" userId="afaf7c3a-e8aa-4568-882a-02ad8f9e19b0" providerId="ADAL" clId="{B3E261B2-29DE-41BC-8C7F-2434BF53B993}" dt="2023-09-18T14:14:16.356" v="41"/>
-        <pc:sldMkLst>
-          <pc:docMk/>
-          <pc:sldMk cId="564396961" sldId="1455"/>
-        </pc:sldMkLst>
-        <pc:spChg chg="del">
-          <ac:chgData name="Lines, Todd" userId="afaf7c3a-e8aa-4568-882a-02ad8f9e19b0" providerId="ADAL" clId="{B3E261B2-29DE-41BC-8C7F-2434BF53B993}" dt="2023-09-18T14:14:16.356" v="41"/>
-          <ac:spMkLst>
-            <pc:docMk/>
-            <pc:sldMk cId="564396961" sldId="1455"/>
-            <ac:spMk id="3" creationId="{9F00A538-9D3F-6EAF-36D6-3EC3D98CAC68}"/>
-          </ac:spMkLst>
-        </pc:spChg>
-        <pc:picChg chg="add mod">
-          <ac:chgData name="Lines, Todd" userId="afaf7c3a-e8aa-4568-882a-02ad8f9e19b0" providerId="ADAL" clId="{B3E261B2-29DE-41BC-8C7F-2434BF53B993}" dt="2023-09-18T14:14:16.356" v="41"/>
-          <ac:picMkLst>
-            <pc:docMk/>
-            <pc:sldMk cId="564396961" sldId="1455"/>
-            <ac:picMk id="4" creationId="{D295F873-6B47-369A-3ADE-100C0B8C71F5}"/>
-          </ac:picMkLst>
-        </pc:picChg>
       </pc:sldChg>
     </pc:docChg>
   </pc:docChgLst>
@@ -625,7 +285,7 @@
             <a:fld id="{BE767D44-83DD-4FCD-8683-A39DD2490FF3}" type="datetimeFigureOut">
               <a:rPr lang="en-US" smtClean="0"/>
               <a:pPr/>
-              <a:t>9/20/2024</a:t>
+              <a:t>11/10/2025</a:t>
             </a:fld>
             <a:endParaRPr lang="en-US"/>
           </a:p>
@@ -1372,7 +1032,7 @@
             <a:fld id="{C3133E23-681F-4650-A6DE-8D52B0D431E8}" type="datetimeFigureOut">
               <a:rPr lang="en-US" smtClean="0"/>
               <a:pPr/>
-              <a:t>9/20/2024</a:t>
+              <a:t>11/10/2025</a:t>
             </a:fld>
             <a:endParaRPr lang="en-US"/>
           </a:p>
@@ -1537,7 +1197,7 @@
             <a:fld id="{C3133E23-681F-4650-A6DE-8D52B0D431E8}" type="datetimeFigureOut">
               <a:rPr lang="en-US" smtClean="0"/>
               <a:pPr/>
-              <a:t>9/20/2024</a:t>
+              <a:t>11/10/2025</a:t>
             </a:fld>
             <a:endParaRPr lang="en-US"/>
           </a:p>
@@ -1712,7 +1372,7 @@
             <a:fld id="{C3133E23-681F-4650-A6DE-8D52B0D431E8}" type="datetimeFigureOut">
               <a:rPr lang="en-US" smtClean="0"/>
               <a:pPr/>
-              <a:t>9/20/2024</a:t>
+              <a:t>11/10/2025</a:t>
             </a:fld>
             <a:endParaRPr lang="en-US"/>
           </a:p>
@@ -1877,7 +1537,7 @@
             <a:fld id="{C3133E23-681F-4650-A6DE-8D52B0D431E8}" type="datetimeFigureOut">
               <a:rPr lang="en-US" smtClean="0"/>
               <a:pPr/>
-              <a:t>9/20/2024</a:t>
+              <a:t>11/10/2025</a:t>
             </a:fld>
             <a:endParaRPr lang="en-US"/>
           </a:p>
@@ -2119,7 +1779,7 @@
             <a:fld id="{C3133E23-681F-4650-A6DE-8D52B0D431E8}" type="datetimeFigureOut">
               <a:rPr lang="en-US" smtClean="0"/>
               <a:pPr/>
-              <a:t>9/20/2024</a:t>
+              <a:t>11/10/2025</a:t>
             </a:fld>
             <a:endParaRPr lang="en-US"/>
           </a:p>
@@ -2401,7 +2061,7 @@
             <a:fld id="{C3133E23-681F-4650-A6DE-8D52B0D431E8}" type="datetimeFigureOut">
               <a:rPr lang="en-US" smtClean="0"/>
               <a:pPr/>
-              <a:t>9/20/2024</a:t>
+              <a:t>11/10/2025</a:t>
             </a:fld>
             <a:endParaRPr lang="en-US"/>
           </a:p>
@@ -2817,7 +2477,7 @@
             <a:fld id="{C3133E23-681F-4650-A6DE-8D52B0D431E8}" type="datetimeFigureOut">
               <a:rPr lang="en-US" smtClean="0"/>
               <a:pPr/>
-              <a:t>9/20/2024</a:t>
+              <a:t>11/10/2025</a:t>
             </a:fld>
             <a:endParaRPr lang="en-US"/>
           </a:p>
@@ -2931,7 +2591,7 @@
             <a:fld id="{C3133E23-681F-4650-A6DE-8D52B0D431E8}" type="datetimeFigureOut">
               <a:rPr lang="en-US" smtClean="0"/>
               <a:pPr/>
-              <a:t>9/20/2024</a:t>
+              <a:t>11/10/2025</a:t>
             </a:fld>
             <a:endParaRPr lang="en-US"/>
           </a:p>
@@ -3023,7 +2683,7 @@
             <a:fld id="{C3133E23-681F-4650-A6DE-8D52B0D431E8}" type="datetimeFigureOut">
               <a:rPr lang="en-US" smtClean="0"/>
               <a:pPr/>
-              <a:t>9/20/2024</a:t>
+              <a:t>11/10/2025</a:t>
             </a:fld>
             <a:endParaRPr lang="en-US"/>
           </a:p>
@@ -3295,7 +2955,7 @@
             <a:fld id="{C3133E23-681F-4650-A6DE-8D52B0D431E8}" type="datetimeFigureOut">
               <a:rPr lang="en-US" smtClean="0"/>
               <a:pPr/>
-              <a:t>9/20/2024</a:t>
+              <a:t>11/10/2025</a:t>
             </a:fld>
             <a:endParaRPr lang="en-US"/>
           </a:p>
@@ -3544,7 +3204,7 @@
             <a:fld id="{C3133E23-681F-4650-A6DE-8D52B0D431E8}" type="datetimeFigureOut">
               <a:rPr lang="en-US" smtClean="0"/>
               <a:pPr/>
-              <a:t>9/20/2024</a:t>
+              <a:t>11/10/2025</a:t>
             </a:fld>
             <a:endParaRPr lang="en-US"/>
           </a:p>
@@ -3752,7 +3412,7 @@
             <a:fld id="{C3133E23-681F-4650-A6DE-8D52B0D431E8}" type="datetimeFigureOut">
               <a:rPr lang="en-US" smtClean="0"/>
               <a:pPr/>
-              <a:t>9/20/2024</a:t>
+              <a:t>11/10/2025</a:t>
             </a:fld>
             <a:endParaRPr lang="en-US"/>
           </a:p>
@@ -17181,12 +16841,18 @@
       </p:grpSpPr>
       <p:sp>
         <p:nvSpPr>
-          <p:cNvPr id="2" name="Title 1"/>
+          <p:cNvPr id="4" name="Title 3">
+            <a:extLst>
+              <a:ext uri="{FF2B5EF4-FFF2-40B4-BE49-F238E27FC236}">
+                <a16:creationId xmlns:a16="http://schemas.microsoft.com/office/drawing/2014/main" id="{290B3E63-3E11-95F8-E6E6-4803C06441B7}"/>
+              </a:ext>
+            </a:extLst>
+          </p:cNvPr>
           <p:cNvSpPr>
             <a:spLocks noGrp="1"/>
           </p:cNvSpPr>
           <p:nvPr>
-            <p:ph type="title"/>
+            <p:ph type="ctrTitle"/>
           </p:nvPr>
         </p:nvSpPr>
         <p:spPr/>
@@ -17196,82 +16862,25 @@
           <a:p>
             <a:r>
               <a:rPr lang="en-US" dirty="0"/>
-              <a:t>Question 223.6.0.3</a:t>
+              <a:t>END</a:t>
             </a:r>
           </a:p>
         </p:txBody>
       </p:sp>
       <p:sp>
         <p:nvSpPr>
-          <p:cNvPr id="3" name="Content Placeholder 2"/>
+          <p:cNvPr id="5" name="Subtitle 4">
+            <a:extLst>
+              <a:ext uri="{FF2B5EF4-FFF2-40B4-BE49-F238E27FC236}">
+                <a16:creationId xmlns:a16="http://schemas.microsoft.com/office/drawing/2014/main" id="{CA72D322-1DE2-C875-8E34-EB4BCECFCFA7}"/>
+              </a:ext>
+            </a:extLst>
+          </p:cNvPr>
           <p:cNvSpPr>
             <a:spLocks noGrp="1"/>
           </p:cNvSpPr>
           <p:nvPr>
-            <p:ph idx="1"/>
-          </p:nvPr>
-        </p:nvSpPr>
-        <p:spPr/>
-        <p:txBody>
-          <a:bodyPr>
-            <a:normAutofit lnSpcReduction="10000"/>
-          </a:bodyPr>
-          <a:lstStyle/>
-          <a:p>
-            <a:pPr marL="0" indent="0">
-              <a:buNone/>
-            </a:pPr>
-            <a:r>
-              <a:rPr lang="en-US" dirty="0"/>
-              <a:t>I have two sinusoidal waves in the same medium. The waves travel the same direction (unlike our class demonstration).  Sometimes we get constructive and sometimes destructive interference. What makes the difference?</a:t>
-            </a:r>
-          </a:p>
-          <a:p>
-            <a:pPr marL="514350" indent="-514350">
-              <a:buAutoNum type="alphaLcParenR"/>
-            </a:pPr>
-            <a:r>
-              <a:rPr lang="en-US" dirty="0"/>
-              <a:t>The relative amplitude of the waves</a:t>
-            </a:r>
-          </a:p>
-          <a:p>
-            <a:pPr marL="514350" indent="-514350">
-              <a:buAutoNum type="alphaLcParenR"/>
-            </a:pPr>
-            <a:r>
-              <a:rPr lang="en-US" dirty="0"/>
-              <a:t>The relative phase constant of the waves</a:t>
-            </a:r>
-          </a:p>
-          <a:p>
-            <a:pPr marL="514350" indent="-514350">
-              <a:buAutoNum type="alphaLcParenR"/>
-            </a:pPr>
-            <a:r>
-              <a:rPr lang="en-US" dirty="0"/>
-              <a:t>The wavelength of the waves</a:t>
-            </a:r>
-          </a:p>
-          <a:p>
-            <a:pPr marL="514350" indent="-514350">
-              <a:buAutoNum type="alphaLcParenR"/>
-            </a:pPr>
-            <a:r>
-              <a:rPr lang="en-US" dirty="0"/>
-              <a:t>Random processes</a:t>
-            </a:r>
-          </a:p>
-        </p:txBody>
-      </p:sp>
-      <p:sp>
-        <p:nvSpPr>
-          <p:cNvPr id="4" name="Slide Number Placeholder 3"/>
-          <p:cNvSpPr>
-            <a:spLocks noGrp="1"/>
-          </p:cNvSpPr>
-          <p:nvPr>
-            <p:ph type="sldNum" sz="quarter" idx="12"/>
+            <p:ph type="subTitle" idx="1"/>
           </p:nvPr>
         </p:nvSpPr>
         <p:spPr/>
@@ -17279,16 +16888,6 @@
           <a:bodyPr/>
           <a:lstStyle/>
           <a:p>
-            <a:pPr>
-              <a:defRPr/>
-            </a:pPr>
-            <a:fld id="{64137B81-8888-4253-92EC-0AED2A590749}" type="slidenum">
-              <a:rPr lang="en-US" smtClean="0"/>
-              <a:pPr>
-                <a:defRPr/>
-              </a:pPr>
-              <a:t>49</a:t>
-            </a:fld>
             <a:endParaRPr lang="en-US"/>
           </a:p>
         </p:txBody>
@@ -17296,7 +16895,7 @@
     </p:spTree>
     <p:extLst>
       <p:ext uri="{BB962C8B-B14F-4D97-AF65-F5344CB8AC3E}">
-        <p14:creationId xmlns:p14="http://schemas.microsoft.com/office/powerpoint/2010/main" val="2726327072"/>
+        <p14:creationId xmlns:p14="http://schemas.microsoft.com/office/powerpoint/2010/main" val="1784524523"/>
       </p:ext>
     </p:extLst>
   </p:cSld>
@@ -18379,18 +17978,12 @@
       </p:grpSpPr>
       <p:sp>
         <p:nvSpPr>
-          <p:cNvPr id="4" name="Title 3">
-            <a:extLst>
-              <a:ext uri="{FF2B5EF4-FFF2-40B4-BE49-F238E27FC236}">
-                <a16:creationId xmlns:a16="http://schemas.microsoft.com/office/drawing/2014/main" id="{290B3E63-3E11-95F8-E6E6-4803C06441B7}"/>
-              </a:ext>
-            </a:extLst>
-          </p:cNvPr>
+          <p:cNvPr id="2" name="Title 1"/>
           <p:cNvSpPr>
             <a:spLocks noGrp="1"/>
           </p:cNvSpPr>
           <p:nvPr>
-            <p:ph type="ctrTitle"/>
+            <p:ph type="title"/>
           </p:nvPr>
         </p:nvSpPr>
         <p:spPr/>
@@ -18400,25 +17993,82 @@
           <a:p>
             <a:r>
               <a:rPr lang="en-US" dirty="0"/>
-              <a:t>END</a:t>
+              <a:t>Question 223.6.0.3</a:t>
             </a:r>
           </a:p>
         </p:txBody>
       </p:sp>
       <p:sp>
         <p:nvSpPr>
-          <p:cNvPr id="5" name="Subtitle 4">
-            <a:extLst>
-              <a:ext uri="{FF2B5EF4-FFF2-40B4-BE49-F238E27FC236}">
-                <a16:creationId xmlns:a16="http://schemas.microsoft.com/office/drawing/2014/main" id="{CA72D322-1DE2-C875-8E34-EB4BCECFCFA7}"/>
-              </a:ext>
-            </a:extLst>
-          </p:cNvPr>
+          <p:cNvPr id="3" name="Content Placeholder 2"/>
           <p:cNvSpPr>
             <a:spLocks noGrp="1"/>
           </p:cNvSpPr>
           <p:nvPr>
-            <p:ph type="subTitle" idx="1"/>
+            <p:ph idx="1"/>
+          </p:nvPr>
+        </p:nvSpPr>
+        <p:spPr/>
+        <p:txBody>
+          <a:bodyPr>
+            <a:normAutofit lnSpcReduction="10000"/>
+          </a:bodyPr>
+          <a:lstStyle/>
+          <a:p>
+            <a:pPr marL="0" indent="0">
+              <a:buNone/>
+            </a:pPr>
+            <a:r>
+              <a:rPr lang="en-US" dirty="0"/>
+              <a:t>I have two sinusoidal waves in the same medium. The waves travel the same direction (unlike our class demonstration).  Sometimes we get constructive and sometimes destructive interference. What makes the difference?</a:t>
+            </a:r>
+          </a:p>
+          <a:p>
+            <a:pPr marL="514350" indent="-514350">
+              <a:buAutoNum type="alphaLcParenR"/>
+            </a:pPr>
+            <a:r>
+              <a:rPr lang="en-US" dirty="0"/>
+              <a:t>The relative amplitude of the waves</a:t>
+            </a:r>
+          </a:p>
+          <a:p>
+            <a:pPr marL="514350" indent="-514350">
+              <a:buAutoNum type="alphaLcParenR"/>
+            </a:pPr>
+            <a:r>
+              <a:rPr lang="en-US" dirty="0"/>
+              <a:t>The relative phase constant of the waves</a:t>
+            </a:r>
+          </a:p>
+          <a:p>
+            <a:pPr marL="514350" indent="-514350">
+              <a:buAutoNum type="alphaLcParenR"/>
+            </a:pPr>
+            <a:r>
+              <a:rPr lang="en-US" dirty="0"/>
+              <a:t>The wavelength of the waves</a:t>
+            </a:r>
+          </a:p>
+          <a:p>
+            <a:pPr marL="514350" indent="-514350">
+              <a:buAutoNum type="alphaLcParenR"/>
+            </a:pPr>
+            <a:r>
+              <a:rPr lang="en-US" dirty="0"/>
+              <a:t>Random processes</a:t>
+            </a:r>
+          </a:p>
+        </p:txBody>
+      </p:sp>
+      <p:sp>
+        <p:nvSpPr>
+          <p:cNvPr id="4" name="Slide Number Placeholder 3"/>
+          <p:cNvSpPr>
+            <a:spLocks noGrp="1"/>
+          </p:cNvSpPr>
+          <p:nvPr>
+            <p:ph type="sldNum" sz="quarter" idx="12"/>
           </p:nvPr>
         </p:nvSpPr>
         <p:spPr/>
@@ -18426,6 +18076,16 @@
           <a:bodyPr/>
           <a:lstStyle/>
           <a:p>
+            <a:pPr>
+              <a:defRPr/>
+            </a:pPr>
+            <a:fld id="{64137B81-8888-4253-92EC-0AED2A590749}" type="slidenum">
+              <a:rPr lang="en-US" smtClean="0"/>
+              <a:pPr>
+                <a:defRPr/>
+              </a:pPr>
+              <a:t>50</a:t>
+            </a:fld>
             <a:endParaRPr lang="en-US"/>
           </a:p>
         </p:txBody>
@@ -18433,7 +18093,7 @@
     </p:spTree>
     <p:extLst>
       <p:ext uri="{BB962C8B-B14F-4D97-AF65-F5344CB8AC3E}">
-        <p14:creationId xmlns:p14="http://schemas.microsoft.com/office/powerpoint/2010/main" val="1784524523"/>
+        <p14:creationId xmlns:p14="http://schemas.microsoft.com/office/powerpoint/2010/main" val="2726327072"/>
       </p:ext>
     </p:extLst>
   </p:cSld>
